--- a/DelegateExample/DelegateEvent발표준비.pptx
+++ b/DelegateExample/DelegateEvent발표준비.pptx
@@ -114,6 +114,11 @@
       </a:defRPr>
     </a:lvl9pPr>
   </p:defaultTextStyle>
+  <p:extLst>
+    <p:ext uri="{EFAFB233-063F-42B5-8137-9DF3F51BA10A}">
+      <p15:sldGuideLst xmlns:p15="http://schemas.microsoft.com/office/powerpoint/2012/main"/>
+    </p:ext>
+  </p:extLst>
 </p:presentation>
 </file>
 
@@ -248,7 +253,7 @@
           <a:p>
             <a:fld id="{5CB2608F-16B0-4114-BDFB-6911804633A3}" type="datetimeFigureOut">
               <a:rPr lang="ko-KR" altLang="en-US" smtClean="0"/>
-              <a:t>2019-02-09</a:t>
+              <a:t>2019-02-10</a:t>
             </a:fld>
             <a:endParaRPr lang="ko-KR" altLang="en-US"/>
           </a:p>
@@ -418,7 +423,7 @@
           <a:p>
             <a:fld id="{5CB2608F-16B0-4114-BDFB-6911804633A3}" type="datetimeFigureOut">
               <a:rPr lang="ko-KR" altLang="en-US" smtClean="0"/>
-              <a:t>2019-02-09</a:t>
+              <a:t>2019-02-10</a:t>
             </a:fld>
             <a:endParaRPr lang="ko-KR" altLang="en-US"/>
           </a:p>
@@ -598,7 +603,7 @@
           <a:p>
             <a:fld id="{5CB2608F-16B0-4114-BDFB-6911804633A3}" type="datetimeFigureOut">
               <a:rPr lang="ko-KR" altLang="en-US" smtClean="0"/>
-              <a:t>2019-02-09</a:t>
+              <a:t>2019-02-10</a:t>
             </a:fld>
             <a:endParaRPr lang="ko-KR" altLang="en-US"/>
           </a:p>
@@ -768,7 +773,7 @@
           <a:p>
             <a:fld id="{5CB2608F-16B0-4114-BDFB-6911804633A3}" type="datetimeFigureOut">
               <a:rPr lang="ko-KR" altLang="en-US" smtClean="0"/>
-              <a:t>2019-02-09</a:t>
+              <a:t>2019-02-10</a:t>
             </a:fld>
             <a:endParaRPr lang="ko-KR" altLang="en-US"/>
           </a:p>
@@ -1014,7 +1019,7 @@
           <a:p>
             <a:fld id="{5CB2608F-16B0-4114-BDFB-6911804633A3}" type="datetimeFigureOut">
               <a:rPr lang="ko-KR" altLang="en-US" smtClean="0"/>
-              <a:t>2019-02-09</a:t>
+              <a:t>2019-02-10</a:t>
             </a:fld>
             <a:endParaRPr lang="ko-KR" altLang="en-US"/>
           </a:p>
@@ -1246,7 +1251,7 @@
           <a:p>
             <a:fld id="{5CB2608F-16B0-4114-BDFB-6911804633A3}" type="datetimeFigureOut">
               <a:rPr lang="ko-KR" altLang="en-US" smtClean="0"/>
-              <a:t>2019-02-09</a:t>
+              <a:t>2019-02-10</a:t>
             </a:fld>
             <a:endParaRPr lang="ko-KR" altLang="en-US"/>
           </a:p>
@@ -1613,7 +1618,7 @@
           <a:p>
             <a:fld id="{5CB2608F-16B0-4114-BDFB-6911804633A3}" type="datetimeFigureOut">
               <a:rPr lang="ko-KR" altLang="en-US" smtClean="0"/>
-              <a:t>2019-02-09</a:t>
+              <a:t>2019-02-10</a:t>
             </a:fld>
             <a:endParaRPr lang="ko-KR" altLang="en-US"/>
           </a:p>
@@ -1731,7 +1736,7 @@
           <a:p>
             <a:fld id="{5CB2608F-16B0-4114-BDFB-6911804633A3}" type="datetimeFigureOut">
               <a:rPr lang="ko-KR" altLang="en-US" smtClean="0"/>
-              <a:t>2019-02-09</a:t>
+              <a:t>2019-02-10</a:t>
             </a:fld>
             <a:endParaRPr lang="ko-KR" altLang="en-US"/>
           </a:p>
@@ -1826,7 +1831,7 @@
           <a:p>
             <a:fld id="{5CB2608F-16B0-4114-BDFB-6911804633A3}" type="datetimeFigureOut">
               <a:rPr lang="ko-KR" altLang="en-US" smtClean="0"/>
-              <a:t>2019-02-09</a:t>
+              <a:t>2019-02-10</a:t>
             </a:fld>
             <a:endParaRPr lang="ko-KR" altLang="en-US"/>
           </a:p>
@@ -2103,7 +2108,7 @@
           <a:p>
             <a:fld id="{5CB2608F-16B0-4114-BDFB-6911804633A3}" type="datetimeFigureOut">
               <a:rPr lang="ko-KR" altLang="en-US" smtClean="0"/>
-              <a:t>2019-02-09</a:t>
+              <a:t>2019-02-10</a:t>
             </a:fld>
             <a:endParaRPr lang="ko-KR" altLang="en-US"/>
           </a:p>
@@ -2356,7 +2361,7 @@
           <a:p>
             <a:fld id="{5CB2608F-16B0-4114-BDFB-6911804633A3}" type="datetimeFigureOut">
               <a:rPr lang="ko-KR" altLang="en-US" smtClean="0"/>
-              <a:t>2019-02-09</a:t>
+              <a:t>2019-02-10</a:t>
             </a:fld>
             <a:endParaRPr lang="ko-KR" altLang="en-US"/>
           </a:p>
@@ -2569,7 +2574,7 @@
           <a:p>
             <a:fld id="{5CB2608F-16B0-4114-BDFB-6911804633A3}" type="datetimeFigureOut">
               <a:rPr lang="ko-KR" altLang="en-US" smtClean="0"/>
-              <a:t>2019-02-09</a:t>
+              <a:t>2019-02-10</a:t>
             </a:fld>
             <a:endParaRPr lang="ko-KR" altLang="en-US"/>
           </a:p>
@@ -2982,8 +2987,8 @@
         </p:nvSpPr>
         <p:spPr>
           <a:xfrm>
-            <a:off x="791737" y="1003610"/>
-            <a:ext cx="5542156" cy="461665"/>
+            <a:off x="3265449" y="2758480"/>
+            <a:ext cx="5542156" cy="553998"/>
           </a:xfrm>
           <a:prstGeom prst="rect">
             <a:avLst/>
@@ -2997,14 +3002,384 @@
           <a:lstStyle/>
           <a:p>
             <a:r>
-              <a:rPr lang="en-US" altLang="ko-KR" sz="2400" b="1" dirty="0" smtClean="0"/>
+              <a:rPr lang="en-US" altLang="ko-KR" sz="3000" b="1" dirty="0" smtClean="0">
+                <a:solidFill>
+                  <a:schemeClr val="accent4">
+                    <a:lumMod val="75000"/>
+                  </a:schemeClr>
+                </a:solidFill>
+              </a:rPr>
               <a:t>Chapter 13. </a:t>
             </a:r>
             <a:r>
-              <a:rPr lang="ko-KR" altLang="en-US" sz="2400" b="1" dirty="0" smtClean="0"/>
+              <a:rPr lang="ko-KR" altLang="en-US" sz="3000" b="1" dirty="0" smtClean="0">
+                <a:solidFill>
+                  <a:schemeClr val="accent4">
+                    <a:lumMod val="75000"/>
+                  </a:schemeClr>
+                </a:solidFill>
+              </a:rPr>
               <a:t>대리자와 이벤트</a:t>
             </a:r>
-            <a:endParaRPr lang="ko-KR" altLang="en-US" sz="2400" b="1" dirty="0"/>
+            <a:endParaRPr lang="ko-KR" altLang="en-US" sz="3000" b="1" dirty="0">
+              <a:solidFill>
+                <a:schemeClr val="accent4">
+                  <a:lumMod val="75000"/>
+                </a:schemeClr>
+              </a:solidFill>
+            </a:endParaRPr>
+          </a:p>
+        </p:txBody>
+      </p:sp>
+      <p:sp>
+        <p:nvSpPr>
+          <p:cNvPr id="2" name="직사각형 1"/>
+          <p:cNvSpPr/>
+          <p:nvPr/>
+        </p:nvSpPr>
+        <p:spPr>
+          <a:xfrm>
+            <a:off x="5962790" y="3244334"/>
+            <a:ext cx="266420" cy="369332"/>
+          </a:xfrm>
+          <a:prstGeom prst="rect">
+            <a:avLst/>
+          </a:prstGeom>
+        </p:spPr>
+        <p:txBody>
+          <a:bodyPr wrap="none">
+            <a:spAutoFit/>
+          </a:bodyPr>
+          <a:lstStyle/>
+          <a:p>
+            <a:r>
+              <a:rPr lang="ko-KR" altLang="en-US" dirty="0"/>
+              <a:t> </a:t>
+            </a:r>
+          </a:p>
+        </p:txBody>
+      </p:sp>
+      <p:sp>
+        <p:nvSpPr>
+          <p:cNvPr id="5" name="Google Shape;92;p14"/>
+          <p:cNvSpPr/>
+          <p:nvPr/>
+        </p:nvSpPr>
+        <p:spPr>
+          <a:xfrm>
+            <a:off x="5596107" y="3822516"/>
+            <a:ext cx="88534" cy="146927"/>
+          </a:xfrm>
+          <a:prstGeom prst="rect">
+            <a:avLst/>
+          </a:prstGeom>
+          <a:solidFill>
+            <a:srgbClr val="E74C3C"/>
+          </a:solidFill>
+          <a:ln>
+            <a:noFill/>
+          </a:ln>
+        </p:spPr>
+        <p:txBody>
+          <a:bodyPr spcFirstLastPara="1" wrap="square" lIns="91425" tIns="45700" rIns="91425" bIns="45700" anchor="ctr" anchorCtr="0">
+            <a:noAutofit/>
+          </a:bodyPr>
+          <a:lstStyle/>
+          <a:p>
+            <a:pPr marL="0" marR="0" lvl="0" indent="0" algn="l" rtl="0">
+              <a:spcBef>
+                <a:spcPts val="0"/>
+              </a:spcBef>
+              <a:spcAft>
+                <a:spcPts val="0"/>
+              </a:spcAft>
+              <a:buNone/>
+            </a:pPr>
+            <a:endParaRPr sz="1800">
+              <a:solidFill>
+                <a:schemeClr val="lt1"/>
+              </a:solidFill>
+              <a:latin typeface="Arial"/>
+              <a:ea typeface="Arial"/>
+              <a:cs typeface="Arial"/>
+              <a:sym typeface="Arial"/>
+            </a:endParaRPr>
+          </a:p>
+        </p:txBody>
+      </p:sp>
+      <p:sp>
+        <p:nvSpPr>
+          <p:cNvPr id="6" name="Google Shape;93;p14"/>
+          <p:cNvSpPr/>
+          <p:nvPr/>
+        </p:nvSpPr>
+        <p:spPr>
+          <a:xfrm>
+            <a:off x="5713427" y="3822521"/>
+            <a:ext cx="88476" cy="147314"/>
+          </a:xfrm>
+          <a:prstGeom prst="rect">
+            <a:avLst/>
+          </a:prstGeom>
+          <a:solidFill>
+            <a:srgbClr val="5B4470"/>
+          </a:solidFill>
+          <a:ln>
+            <a:noFill/>
+          </a:ln>
+        </p:spPr>
+        <p:txBody>
+          <a:bodyPr spcFirstLastPara="1" wrap="square" lIns="91425" tIns="45700" rIns="91425" bIns="45700" anchor="ctr" anchorCtr="0">
+            <a:noAutofit/>
+          </a:bodyPr>
+          <a:lstStyle/>
+          <a:p>
+            <a:pPr marL="0" marR="0" lvl="0" indent="0" algn="l" rtl="0">
+              <a:spcBef>
+                <a:spcPts val="0"/>
+              </a:spcBef>
+              <a:spcAft>
+                <a:spcPts val="0"/>
+              </a:spcAft>
+              <a:buNone/>
+            </a:pPr>
+            <a:endParaRPr sz="1800">
+              <a:solidFill>
+                <a:schemeClr val="lt1"/>
+              </a:solidFill>
+              <a:latin typeface="Arial"/>
+              <a:ea typeface="Arial"/>
+              <a:cs typeface="Arial"/>
+              <a:sym typeface="Arial"/>
+            </a:endParaRPr>
+          </a:p>
+        </p:txBody>
+      </p:sp>
+      <p:sp>
+        <p:nvSpPr>
+          <p:cNvPr id="7" name="Google Shape;94;p14"/>
+          <p:cNvSpPr/>
+          <p:nvPr/>
+        </p:nvSpPr>
+        <p:spPr>
+          <a:xfrm>
+            <a:off x="5830739" y="3822521"/>
+            <a:ext cx="88476" cy="147314"/>
+          </a:xfrm>
+          <a:prstGeom prst="rect">
+            <a:avLst/>
+          </a:prstGeom>
+          <a:solidFill>
+            <a:srgbClr val="3D9FAC"/>
+          </a:solidFill>
+          <a:ln>
+            <a:noFill/>
+          </a:ln>
+        </p:spPr>
+        <p:txBody>
+          <a:bodyPr spcFirstLastPara="1" wrap="square" lIns="91425" tIns="45700" rIns="91425" bIns="45700" anchor="ctr" anchorCtr="0">
+            <a:noAutofit/>
+          </a:bodyPr>
+          <a:lstStyle/>
+          <a:p>
+            <a:pPr marL="0" marR="0" lvl="0" indent="0" algn="l" rtl="0">
+              <a:spcBef>
+                <a:spcPts val="0"/>
+              </a:spcBef>
+              <a:spcAft>
+                <a:spcPts val="0"/>
+              </a:spcAft>
+              <a:buNone/>
+            </a:pPr>
+            <a:endParaRPr sz="1800">
+              <a:solidFill>
+                <a:schemeClr val="lt1"/>
+              </a:solidFill>
+              <a:latin typeface="Arial"/>
+              <a:ea typeface="Arial"/>
+              <a:cs typeface="Arial"/>
+              <a:sym typeface="Arial"/>
+            </a:endParaRPr>
+          </a:p>
+        </p:txBody>
+      </p:sp>
+      <p:sp>
+        <p:nvSpPr>
+          <p:cNvPr id="8" name="Google Shape;95;p14"/>
+          <p:cNvSpPr/>
+          <p:nvPr/>
+        </p:nvSpPr>
+        <p:spPr>
+          <a:xfrm>
+            <a:off x="5948051" y="3822521"/>
+            <a:ext cx="88476" cy="147314"/>
+          </a:xfrm>
+          <a:prstGeom prst="rect">
+            <a:avLst/>
+          </a:prstGeom>
+          <a:solidFill>
+            <a:srgbClr val="FEB834"/>
+          </a:solidFill>
+          <a:ln>
+            <a:noFill/>
+          </a:ln>
+        </p:spPr>
+        <p:txBody>
+          <a:bodyPr spcFirstLastPara="1" wrap="square" lIns="91425" tIns="45700" rIns="91425" bIns="45700" anchor="ctr" anchorCtr="0">
+            <a:noAutofit/>
+          </a:bodyPr>
+          <a:lstStyle/>
+          <a:p>
+            <a:pPr marL="0" marR="0" lvl="0" indent="0" algn="l" rtl="0">
+              <a:spcBef>
+                <a:spcPts val="0"/>
+              </a:spcBef>
+              <a:spcAft>
+                <a:spcPts val="0"/>
+              </a:spcAft>
+              <a:buNone/>
+            </a:pPr>
+            <a:endParaRPr sz="1800">
+              <a:solidFill>
+                <a:schemeClr val="lt1"/>
+              </a:solidFill>
+              <a:latin typeface="Arial"/>
+              <a:ea typeface="Arial"/>
+              <a:cs typeface="Arial"/>
+              <a:sym typeface="Arial"/>
+            </a:endParaRPr>
+          </a:p>
+        </p:txBody>
+      </p:sp>
+      <p:sp>
+        <p:nvSpPr>
+          <p:cNvPr id="10" name="Google Shape;96;p14"/>
+          <p:cNvSpPr txBox="1"/>
+          <p:nvPr/>
+        </p:nvSpPr>
+        <p:spPr>
+          <a:xfrm>
+            <a:off x="4461614" y="4479481"/>
+            <a:ext cx="2738250" cy="369332"/>
+          </a:xfrm>
+          <a:prstGeom prst="rect">
+            <a:avLst/>
+          </a:prstGeom>
+          <a:noFill/>
+          <a:ln>
+            <a:noFill/>
+          </a:ln>
+        </p:spPr>
+        <p:txBody>
+          <a:bodyPr spcFirstLastPara="1" wrap="square" lIns="91425" tIns="45700" rIns="91425" bIns="45700" anchor="t" anchorCtr="0">
+            <a:noAutofit/>
+          </a:bodyPr>
+          <a:lstStyle/>
+          <a:p>
+            <a:pPr marL="0" marR="0" lvl="0" indent="0" algn="ctr" rtl="0">
+              <a:spcBef>
+                <a:spcPts val="0"/>
+              </a:spcBef>
+              <a:spcAft>
+                <a:spcPts val="0"/>
+              </a:spcAft>
+              <a:buNone/>
+            </a:pPr>
+            <a:r>
+              <a:rPr lang="en-US" altLang="ko-KR" sz="2200" b="1" dirty="0" smtClean="0">
+                <a:solidFill>
+                  <a:srgbClr val="3F3F3F"/>
+                </a:solidFill>
+                <a:latin typeface="Arial"/>
+                <a:ea typeface="Arial"/>
+                <a:cs typeface="Arial"/>
+                <a:sym typeface="Arial"/>
+              </a:rPr>
+              <a:t>2-1</a:t>
+            </a:r>
+            <a:r>
+              <a:rPr lang="ko-KR" altLang="en-US" sz="2200" b="1" dirty="0" smtClean="0">
+                <a:solidFill>
+                  <a:srgbClr val="3F3F3F"/>
+                </a:solidFill>
+                <a:latin typeface="Arial"/>
+                <a:ea typeface="Arial"/>
+                <a:cs typeface="Arial"/>
+                <a:sym typeface="Arial"/>
+              </a:rPr>
+              <a:t>팀 이우용</a:t>
+            </a:r>
+            <a:endParaRPr sz="2200" dirty="0">
+              <a:solidFill>
+                <a:srgbClr val="3F3F3F"/>
+              </a:solidFill>
+              <a:latin typeface="Arial"/>
+              <a:ea typeface="Arial"/>
+              <a:cs typeface="Arial"/>
+              <a:sym typeface="Arial"/>
+            </a:endParaRPr>
+          </a:p>
+        </p:txBody>
+      </p:sp>
+      <p:sp>
+        <p:nvSpPr>
+          <p:cNvPr id="11" name="TextBox 10"/>
+          <p:cNvSpPr txBox="1"/>
+          <p:nvPr/>
+        </p:nvSpPr>
+        <p:spPr>
+          <a:xfrm>
+            <a:off x="4145735" y="1379160"/>
+            <a:ext cx="3693108" cy="646331"/>
+          </a:xfrm>
+          <a:prstGeom prst="rect">
+            <a:avLst/>
+          </a:prstGeom>
+          <a:noFill/>
+        </p:spPr>
+        <p:txBody>
+          <a:bodyPr wrap="square" rtlCol="0">
+            <a:spAutoFit/>
+          </a:bodyPr>
+          <a:lstStyle/>
+          <a:p>
+            <a:r>
+              <a:rPr lang="en-US" altLang="ko-KR" sz="3600" b="1" dirty="0" smtClean="0">
+                <a:solidFill>
+                  <a:schemeClr val="accent4"/>
+                </a:solidFill>
+              </a:rPr>
+              <a:t>C# </a:t>
+            </a:r>
+            <a:r>
+              <a:rPr lang="ko-KR" altLang="en-US" sz="3600" b="1" dirty="0" smtClean="0">
+                <a:solidFill>
+                  <a:schemeClr val="accent4"/>
+                </a:solidFill>
+              </a:rPr>
+              <a:t>사내</a:t>
+            </a:r>
+            <a:r>
+              <a:rPr lang="en-US" altLang="ko-KR" sz="3600" b="1" dirty="0" smtClean="0">
+                <a:solidFill>
+                  <a:schemeClr val="accent4"/>
+                </a:solidFill>
+              </a:rPr>
+              <a:t> </a:t>
+            </a:r>
+            <a:r>
+              <a:rPr lang="ko-KR" altLang="en-US" sz="3600" b="1" dirty="0" smtClean="0">
+                <a:solidFill>
+                  <a:schemeClr val="accent4"/>
+                </a:solidFill>
+              </a:rPr>
+              <a:t>스터디</a:t>
+            </a:r>
+            <a:endParaRPr lang="ko-KR" altLang="en-US" sz="3600" b="1" dirty="0">
+              <a:solidFill>
+                <a:schemeClr val="accent4"/>
+              </a:solidFill>
+            </a:endParaRPr>
           </a:p>
         </p:txBody>
       </p:sp>
@@ -3046,7 +3421,7 @@
         </p:nvSpPr>
         <p:spPr>
           <a:xfrm>
-            <a:off x="791736" y="1003610"/>
+            <a:off x="1001751" y="842199"/>
             <a:ext cx="7582829" cy="830997"/>
           </a:xfrm>
           <a:prstGeom prst="rect">
@@ -3061,12 +3436,8 @@
           <a:lstStyle/>
           <a:p>
             <a:r>
-              <a:rPr lang="en-US" altLang="ko-KR" sz="2400" b="1" dirty="0" smtClean="0"/>
-              <a:t>4. </a:t>
-            </a:r>
-            <a:r>
               <a:rPr lang="ko-KR" altLang="en-US" sz="2400" b="1" dirty="0" smtClean="0"/>
-              <a:t>이벤트</a:t>
+              <a:t>   이벤트</a:t>
             </a:r>
             <a:endParaRPr lang="en-US" altLang="ko-KR" sz="2400" b="1" dirty="0" smtClean="0"/>
           </a:p>
@@ -3233,14 +3604,32 @@
           <a:lstStyle/>
           <a:p>
             <a:r>
-              <a:rPr lang="en-US" altLang="ko-KR" dirty="0" smtClean="0"/>
+              <a:rPr lang="en-US" altLang="ko-KR" dirty="0" smtClean="0">
+                <a:solidFill>
+                  <a:schemeClr val="accent5">
+                    <a:lumMod val="50000"/>
+                  </a:schemeClr>
+                </a:solidFill>
+              </a:rPr>
               <a:t>2. </a:t>
             </a:r>
             <a:r>
-              <a:rPr lang="ko-KR" altLang="en-US" dirty="0" smtClean="0"/>
+              <a:rPr lang="ko-KR" altLang="en-US" dirty="0" smtClean="0">
+                <a:solidFill>
+                  <a:schemeClr val="accent5">
+                    <a:lumMod val="50000"/>
+                  </a:schemeClr>
+                </a:solidFill>
+              </a:rPr>
               <a:t>값 변경 및 이벤트 전달</a:t>
             </a:r>
-            <a:endParaRPr lang="ko-KR" altLang="en-US" dirty="0"/>
+            <a:endParaRPr lang="ko-KR" altLang="en-US" dirty="0">
+              <a:solidFill>
+                <a:schemeClr val="accent5">
+                  <a:lumMod val="50000"/>
+                </a:schemeClr>
+              </a:solidFill>
+            </a:endParaRPr>
           </a:p>
         </p:txBody>
       </p:sp>
@@ -3300,22 +3689,52 @@
           <a:lstStyle/>
           <a:p>
             <a:r>
-              <a:rPr lang="en-US" altLang="ko-KR" dirty="0" smtClean="0"/>
+              <a:rPr lang="en-US" altLang="ko-KR" dirty="0" smtClean="0">
+                <a:solidFill>
+                  <a:schemeClr val="accent6">
+                    <a:lumMod val="50000"/>
+                  </a:schemeClr>
+                </a:solidFill>
+              </a:rPr>
               <a:t>1. </a:t>
             </a:r>
             <a:r>
-              <a:rPr lang="en-US" altLang="ko-KR" dirty="0" err="1" smtClean="0"/>
+              <a:rPr lang="en-US" altLang="ko-KR" dirty="0" err="1" smtClean="0">
+                <a:solidFill>
+                  <a:schemeClr val="accent6">
+                    <a:lumMod val="50000"/>
+                  </a:schemeClr>
+                </a:solidFill>
+              </a:rPr>
               <a:t>SubWindow</a:t>
             </a:r>
             <a:r>
-              <a:rPr lang="en-US" altLang="ko-KR" dirty="0" smtClean="0"/>
+              <a:rPr lang="en-US" altLang="ko-KR" dirty="0" smtClean="0">
+                <a:solidFill>
+                  <a:schemeClr val="accent6">
+                    <a:lumMod val="50000"/>
+                  </a:schemeClr>
+                </a:solidFill>
+              </a:rPr>
               <a:t> Show </a:t>
             </a:r>
             <a:r>
-              <a:rPr lang="ko-KR" altLang="en-US" dirty="0" smtClean="0"/>
+              <a:rPr lang="ko-KR" altLang="en-US" dirty="0" smtClean="0">
+                <a:solidFill>
+                  <a:schemeClr val="accent6">
+                    <a:lumMod val="50000"/>
+                  </a:schemeClr>
+                </a:solidFill>
+              </a:rPr>
               <a:t>및 이벤트 등록</a:t>
             </a:r>
-            <a:endParaRPr lang="ko-KR" altLang="en-US" dirty="0"/>
+            <a:endParaRPr lang="ko-KR" altLang="en-US" dirty="0">
+              <a:solidFill>
+                <a:schemeClr val="accent6">
+                  <a:lumMod val="50000"/>
+                </a:schemeClr>
+              </a:solidFill>
+            </a:endParaRPr>
           </a:p>
         </p:txBody>
       </p:sp>
@@ -3342,22 +3761,52 @@
           <a:lstStyle/>
           <a:p>
             <a:r>
-              <a:rPr lang="en-US" altLang="ko-KR" dirty="0" smtClean="0"/>
+              <a:rPr lang="en-US" altLang="ko-KR" dirty="0" smtClean="0">
+                <a:solidFill>
+                  <a:schemeClr val="accent6">
+                    <a:lumMod val="50000"/>
+                  </a:schemeClr>
+                </a:solidFill>
+              </a:rPr>
               <a:t>3. </a:t>
             </a:r>
             <a:r>
-              <a:rPr lang="ko-KR" altLang="en-US" dirty="0" smtClean="0"/>
+              <a:rPr lang="ko-KR" altLang="en-US" dirty="0" smtClean="0">
+                <a:solidFill>
+                  <a:schemeClr val="accent6">
+                    <a:lumMod val="50000"/>
+                  </a:schemeClr>
+                </a:solidFill>
+              </a:rPr>
               <a:t>전달 결과 </a:t>
             </a:r>
             <a:r>
-              <a:rPr lang="ko-KR" altLang="en-US" dirty="0" err="1" smtClean="0"/>
+              <a:rPr lang="ko-KR" altLang="en-US" dirty="0" err="1" smtClean="0">
+                <a:solidFill>
+                  <a:schemeClr val="accent6">
+                    <a:lumMod val="50000"/>
+                  </a:schemeClr>
+                </a:solidFill>
+              </a:rPr>
               <a:t>콜백을</a:t>
             </a:r>
             <a:r>
-              <a:rPr lang="ko-KR" altLang="en-US" dirty="0" smtClean="0"/>
+              <a:rPr lang="ko-KR" altLang="en-US" dirty="0" smtClean="0">
+                <a:solidFill>
+                  <a:schemeClr val="accent6">
+                    <a:lumMod val="50000"/>
+                  </a:schemeClr>
+                </a:solidFill>
+              </a:rPr>
               <a:t> 받음</a:t>
             </a:r>
-            <a:endParaRPr lang="ko-KR" altLang="en-US" dirty="0"/>
+            <a:endParaRPr lang="ko-KR" altLang="en-US" dirty="0">
+              <a:solidFill>
+                <a:schemeClr val="accent6">
+                  <a:lumMod val="50000"/>
+                </a:schemeClr>
+              </a:solidFill>
+            </a:endParaRPr>
           </a:p>
         </p:txBody>
       </p:sp>
@@ -3369,7 +3818,7 @@
         </p:nvSpPr>
         <p:spPr>
           <a:xfrm>
-            <a:off x="8257306" y="4227876"/>
+            <a:off x="8279609" y="4707379"/>
             <a:ext cx="2350387" cy="369332"/>
           </a:xfrm>
           <a:prstGeom prst="rect">
@@ -3387,6 +3836,123 @@
               <a:t>EventCallBackTest.sln</a:t>
             </a:r>
             <a:endParaRPr lang="ko-KR" altLang="en-US" dirty="0"/>
+          </a:p>
+        </p:txBody>
+      </p:sp>
+      <p:sp>
+        <p:nvSpPr>
+          <p:cNvPr id="11" name="Google Shape;107;p15"/>
+          <p:cNvSpPr/>
+          <p:nvPr/>
+        </p:nvSpPr>
+        <p:spPr>
+          <a:xfrm>
+            <a:off x="541947" y="748277"/>
+            <a:ext cx="640080" cy="640080"/>
+          </a:xfrm>
+          <a:prstGeom prst="roundRect">
+            <a:avLst>
+              <a:gd name="adj" fmla="val 29384"/>
+            </a:avLst>
+          </a:prstGeom>
+          <a:solidFill>
+            <a:schemeClr val="accent2">
+              <a:lumMod val="60000"/>
+              <a:lumOff val="40000"/>
+            </a:schemeClr>
+          </a:solidFill>
+          <a:ln>
+            <a:noFill/>
+          </a:ln>
+        </p:spPr>
+        <p:txBody>
+          <a:bodyPr spcFirstLastPara="1" wrap="square" lIns="0" tIns="45700" rIns="0" bIns="45700" anchor="ctr" anchorCtr="0">
+            <a:noAutofit/>
+          </a:bodyPr>
+          <a:lstStyle/>
+          <a:p>
+            <a:pPr marL="0" marR="0" lvl="0" indent="0" algn="ctr" rtl="0">
+              <a:spcBef>
+                <a:spcPts val="0"/>
+              </a:spcBef>
+              <a:spcAft>
+                <a:spcPts val="0"/>
+              </a:spcAft>
+              <a:buNone/>
+            </a:pPr>
+            <a:r>
+              <a:rPr lang="en-US" altLang="ko-KR" sz="2800" b="1" dirty="0" smtClean="0">
+                <a:solidFill>
+                  <a:schemeClr val="lt1"/>
+                </a:solidFill>
+                <a:latin typeface="Arial"/>
+                <a:ea typeface="Arial"/>
+                <a:cs typeface="Arial"/>
+                <a:sym typeface="Arial"/>
+              </a:rPr>
+              <a:t>4</a:t>
+            </a:r>
+            <a:endParaRPr sz="2800" b="1" dirty="0">
+              <a:solidFill>
+                <a:schemeClr val="lt1"/>
+              </a:solidFill>
+              <a:latin typeface="Arial"/>
+              <a:ea typeface="Arial"/>
+              <a:cs typeface="Arial"/>
+              <a:sym typeface="Arial"/>
+            </a:endParaRPr>
+          </a:p>
+        </p:txBody>
+      </p:sp>
+      <p:sp>
+        <p:nvSpPr>
+          <p:cNvPr id="12" name="Google Shape;113;p16"/>
+          <p:cNvSpPr/>
+          <p:nvPr/>
+        </p:nvSpPr>
+        <p:spPr>
+          <a:xfrm>
+            <a:off x="136175" y="174812"/>
+            <a:ext cx="11806517" cy="6535270"/>
+          </a:xfrm>
+          <a:prstGeom prst="rect">
+            <a:avLst/>
+          </a:prstGeom>
+          <a:noFill/>
+          <a:ln w="12700" cap="flat" cmpd="sng">
+            <a:solidFill>
+              <a:schemeClr val="accent2"/>
+            </a:solidFill>
+            <a:prstDash val="solid"/>
+            <a:miter lim="8000"/>
+            <a:headEnd type="none" w="sm" len="sm"/>
+            <a:tailEnd type="none" w="sm" len="sm"/>
+          </a:ln>
+        </p:spPr>
+        <p:txBody>
+          <a:bodyPr spcFirstLastPara="1" wrap="square" lIns="91425" tIns="45700" rIns="91425" bIns="45700" anchor="ctr" anchorCtr="0">
+            <a:noAutofit/>
+          </a:bodyPr>
+          <a:lstStyle/>
+          <a:p>
+            <a:pPr marL="0" marR="0" lvl="0" indent="0" algn="ctr" rtl="0">
+              <a:spcBef>
+                <a:spcPts val="0"/>
+              </a:spcBef>
+              <a:spcAft>
+                <a:spcPts val="0"/>
+              </a:spcAft>
+              <a:buNone/>
+            </a:pPr>
+            <a:endParaRPr sz="1800">
+              <a:solidFill>
+                <a:schemeClr val="accent4"/>
+              </a:solidFill>
+              <a:latin typeface="Arial"/>
+              <a:ea typeface="Arial"/>
+              <a:cs typeface="Arial"/>
+              <a:sym typeface="Arial"/>
+            </a:endParaRPr>
           </a:p>
         </p:txBody>
       </p:sp>
@@ -3428,8 +3994,8 @@
         </p:nvSpPr>
         <p:spPr>
           <a:xfrm>
-            <a:off x="1048215" y="1025913"/>
-            <a:ext cx="7582829" cy="1477328"/>
+            <a:off x="6423104" y="4795026"/>
+            <a:ext cx="5095828" cy="1477328"/>
           </a:xfrm>
           <a:prstGeom prst="rect">
             <a:avLst/>
@@ -3524,6 +4090,64 @@
               <a:rPr lang="en-US" altLang="ko-KR" dirty="0" smtClean="0"/>
               <a:t>)</a:t>
             </a:r>
+          </a:p>
+        </p:txBody>
+      </p:sp>
+      <p:sp>
+        <p:nvSpPr>
+          <p:cNvPr id="5" name="Google Shape;203;p23"/>
+          <p:cNvSpPr txBox="1"/>
+          <p:nvPr/>
+        </p:nvSpPr>
+        <p:spPr>
+          <a:xfrm>
+            <a:off x="1185278" y="2706536"/>
+            <a:ext cx="9610101" cy="923330"/>
+          </a:xfrm>
+          <a:prstGeom prst="rect">
+            <a:avLst/>
+          </a:prstGeom>
+          <a:noFill/>
+          <a:ln>
+            <a:noFill/>
+          </a:ln>
+        </p:spPr>
+        <p:txBody>
+          <a:bodyPr spcFirstLastPara="1" wrap="square" lIns="91425" tIns="45700" rIns="91425" bIns="45700" anchor="t" anchorCtr="0">
+            <a:noAutofit/>
+          </a:bodyPr>
+          <a:lstStyle/>
+          <a:p>
+            <a:pPr marL="0" marR="0" lvl="0" indent="0" algn="ctr" rtl="0">
+              <a:spcBef>
+                <a:spcPts val="0"/>
+              </a:spcBef>
+              <a:spcAft>
+                <a:spcPts val="0"/>
+              </a:spcAft>
+              <a:buNone/>
+            </a:pPr>
+            <a:r>
+              <a:rPr lang="ko-KR" sz="5400" b="1" dirty="0">
+                <a:solidFill>
+                  <a:srgbClr val="FFC000"/>
+                </a:solidFill>
+                <a:latin typeface="Arial"/>
+                <a:ea typeface="Arial"/>
+                <a:cs typeface="Arial"/>
+                <a:sym typeface="Arial"/>
+              </a:rPr>
+              <a:t>감사합니다</a:t>
+            </a:r>
+            <a:endParaRPr sz="5400" b="1" dirty="0">
+              <a:solidFill>
+                <a:srgbClr val="FFC000"/>
+              </a:solidFill>
+              <a:latin typeface="Arial"/>
+              <a:ea typeface="Arial"/>
+              <a:cs typeface="Arial"/>
+              <a:sym typeface="Arial"/>
+            </a:endParaRPr>
           </a:p>
         </p:txBody>
       </p:sp>
@@ -3537,6 +4161,92 @@
   <p:clrMapOvr>
     <a:masterClrMapping/>
   </p:clrMapOvr>
+  <p:timing>
+    <p:tnLst>
+      <p:par>
+        <p:cTn id="1" dur="indefinite" restart="never" nodeType="tmRoot">
+          <p:childTnLst>
+            <p:seq concurrent="1" nextAc="seek">
+              <p:cTn id="2" dur="indefinite" nodeType="mainSeq">
+                <p:childTnLst>
+                  <p:par>
+                    <p:cTn id="3" fill="hold">
+                      <p:stCondLst>
+                        <p:cond delay="indefinite"/>
+                        <p:cond evt="onBegin" delay="0">
+                          <p:tn val="2"/>
+                        </p:cond>
+                      </p:stCondLst>
+                      <p:childTnLst>
+                        <p:par>
+                          <p:cTn id="4" fill="hold">
+                            <p:stCondLst>
+                              <p:cond delay="0"/>
+                            </p:stCondLst>
+                            <p:childTnLst>
+                              <p:par>
+                                <p:cTn id="5" presetID="10" presetClass="entr" presetSubtype="0" fill="hold" nodeType="withEffect">
+                                  <p:stCondLst>
+                                    <p:cond delay="0"/>
+                                  </p:stCondLst>
+                                  <p:childTnLst>
+                                    <p:set>
+                                      <p:cBhvr>
+                                        <p:cTn id="6" dur="1" fill="hold">
+                                          <p:stCondLst>
+                                            <p:cond delay="0"/>
+                                          </p:stCondLst>
+                                        </p:cTn>
+                                        <p:tgtEl>
+                                          <p:spTgt spid="5"/>
+                                        </p:tgtEl>
+                                        <p:attrNameLst>
+                                          <p:attrName>style.visibility</p:attrName>
+                                        </p:attrNameLst>
+                                      </p:cBhvr>
+                                      <p:to>
+                                        <p:strVal val="visible"/>
+                                      </p:to>
+                                    </p:set>
+                                    <p:animEffect transition="in" filter="fade">
+                                      <p:cBhvr>
+                                        <p:cTn id="7" dur="1000"/>
+                                        <p:tgtEl>
+                                          <p:spTgt spid="5"/>
+                                        </p:tgtEl>
+                                      </p:cBhvr>
+                                    </p:animEffect>
+                                  </p:childTnLst>
+                                </p:cTn>
+                              </p:par>
+                            </p:childTnLst>
+                          </p:cTn>
+                        </p:par>
+                      </p:childTnLst>
+                    </p:cTn>
+                  </p:par>
+                </p:childTnLst>
+              </p:cTn>
+              <p:prevCondLst>
+                <p:cond evt="onPrev" delay="0">
+                  <p:tgtEl>
+                    <p:sldTgt/>
+                  </p:tgtEl>
+                </p:cond>
+              </p:prevCondLst>
+              <p:nextCondLst>
+                <p:cond evt="onNext" delay="0">
+                  <p:tgtEl>
+                    <p:sldTgt/>
+                  </p:tgtEl>
+                </p:cond>
+              </p:nextCondLst>
+            </p:seq>
+          </p:childTnLst>
+        </p:cTn>
+      </p:par>
+    </p:tnLst>
+  </p:timing>
 </p:sld>
 </file>
 
@@ -3565,8 +4275,8 @@
         </p:nvSpPr>
         <p:spPr>
           <a:xfrm>
-            <a:off x="1338148" y="1115123"/>
-            <a:ext cx="5542156" cy="461665"/>
+            <a:off x="1248939" y="688924"/>
+            <a:ext cx="5542156" cy="553998"/>
           </a:xfrm>
           <a:prstGeom prst="rect">
             <a:avLst/>
@@ -3580,10 +4290,10 @@
           <a:lstStyle/>
           <a:p>
             <a:r>
-              <a:rPr lang="ko-KR" altLang="en-US" sz="2400" b="1" smtClean="0"/>
+              <a:rPr lang="ko-KR" altLang="en-US" sz="3000" b="1" dirty="0" smtClean="0"/>
               <a:t>목차</a:t>
             </a:r>
-            <a:endParaRPr lang="ko-KR" altLang="en-US" sz="2400" b="1" dirty="0"/>
+            <a:endParaRPr lang="ko-KR" altLang="en-US" sz="3000" b="1" dirty="0"/>
           </a:p>
         </p:txBody>
       </p:sp>
@@ -3595,8 +4305,8 @@
         </p:nvSpPr>
         <p:spPr>
           <a:xfrm>
-            <a:off x="1784196" y="2051824"/>
-            <a:ext cx="5754029" cy="2862322"/>
+            <a:off x="2609387" y="1674991"/>
+            <a:ext cx="5754029" cy="4093428"/>
           </a:xfrm>
           <a:prstGeom prst="rect">
             <a:avLst/>
@@ -3609,131 +4319,382 @@
           </a:bodyPr>
           <a:lstStyle/>
           <a:p>
+            <a:r>
+              <a:rPr lang="ko-KR" altLang="en-US" sz="2000" b="1" dirty="0" smtClean="0"/>
+              <a:t>대리자</a:t>
+            </a:r>
+            <a:r>
+              <a:rPr lang="en-US" altLang="ko-KR" sz="2000" b="1" dirty="0" smtClean="0"/>
+              <a:t>,</a:t>
+            </a:r>
+            <a:r>
+              <a:rPr lang="ko-KR" altLang="en-US" sz="2000" b="1" dirty="0" smtClean="0"/>
+              <a:t> </a:t>
+            </a:r>
+            <a:r>
+              <a:rPr lang="ko-KR" altLang="en-US" sz="2000" b="1" dirty="0" err="1" smtClean="0"/>
+              <a:t>콜백</a:t>
+            </a:r>
+            <a:endParaRPr lang="en-US" altLang="ko-KR" sz="2000" b="1" dirty="0" smtClean="0"/>
+          </a:p>
+          <a:p>
+            <a:endParaRPr lang="en-US" altLang="ko-KR" sz="2000" b="1" dirty="0" smtClean="0"/>
+          </a:p>
+          <a:p>
             <a:pPr marL="342900" indent="-342900">
               <a:buAutoNum type="arabicPeriod"/>
             </a:pPr>
-            <a:r>
-              <a:rPr lang="ko-KR" altLang="en-US" dirty="0" smtClean="0"/>
-              <a:t>대리자</a:t>
-            </a:r>
-            <a:r>
-              <a:rPr lang="en-US" altLang="ko-KR" dirty="0" smtClean="0"/>
-              <a:t>,</a:t>
-            </a:r>
-            <a:r>
-              <a:rPr lang="ko-KR" altLang="en-US" dirty="0" smtClean="0"/>
-              <a:t> </a:t>
-            </a:r>
-            <a:r>
-              <a:rPr lang="ko-KR" altLang="en-US" dirty="0" err="1" smtClean="0"/>
-              <a:t>콜백</a:t>
-            </a:r>
-            <a:endParaRPr lang="en-US" altLang="ko-KR" dirty="0" smtClean="0"/>
+            <a:endParaRPr lang="en-US" altLang="ko-KR" sz="2000" b="1" dirty="0" smtClean="0"/>
           </a:p>
           <a:p>
             <a:pPr marL="342900" indent="-342900">
               <a:buAutoNum type="arabicPeriod"/>
             </a:pPr>
-            <a:endParaRPr lang="en-US" altLang="ko-KR" dirty="0" smtClean="0"/>
+            <a:endParaRPr lang="en-US" altLang="ko-KR" sz="2000" b="1" dirty="0" smtClean="0"/>
+          </a:p>
+          <a:p>
+            <a:r>
+              <a:rPr lang="ko-KR" altLang="en-US" sz="2000" b="1" dirty="0" smtClean="0"/>
+              <a:t>대리자는 </a:t>
+            </a:r>
+            <a:r>
+              <a:rPr lang="ko-KR" altLang="en-US" sz="2000" b="1" dirty="0" smtClean="0"/>
+              <a:t>왜</a:t>
+            </a:r>
+            <a:r>
+              <a:rPr lang="en-US" altLang="ko-KR" sz="2000" b="1" dirty="0" smtClean="0"/>
+              <a:t>, </a:t>
+            </a:r>
+            <a:r>
+              <a:rPr lang="ko-KR" altLang="en-US" sz="2000" b="1" dirty="0" smtClean="0"/>
+              <a:t>주로 언제 사용하나요</a:t>
+            </a:r>
+            <a:r>
+              <a:rPr lang="en-US" altLang="ko-KR" sz="2000" b="1" dirty="0" smtClean="0"/>
+              <a:t>?</a:t>
+            </a:r>
           </a:p>
           <a:p>
             <a:pPr marL="342900" indent="-342900">
               <a:buAutoNum type="arabicPeriod"/>
             </a:pPr>
-            <a:endParaRPr lang="en-US" altLang="ko-KR" dirty="0"/>
+            <a:endParaRPr lang="en-US" altLang="ko-KR" sz="2000" b="1" dirty="0" smtClean="0"/>
           </a:p>
           <a:p>
             <a:pPr marL="342900" indent="-342900">
               <a:buAutoNum type="arabicPeriod"/>
             </a:pPr>
-            <a:r>
-              <a:rPr lang="ko-KR" altLang="en-US" dirty="0" smtClean="0"/>
-              <a:t>대리자는 왜</a:t>
-            </a:r>
-            <a:r>
-              <a:rPr lang="en-US" altLang="ko-KR" dirty="0" smtClean="0"/>
-              <a:t>, </a:t>
-            </a:r>
-            <a:r>
-              <a:rPr lang="ko-KR" altLang="en-US" dirty="0" smtClean="0"/>
-              <a:t>주로 언제 사용하나요</a:t>
-            </a:r>
-            <a:r>
-              <a:rPr lang="en-US" altLang="ko-KR" dirty="0" smtClean="0"/>
-              <a:t>?</a:t>
-            </a:r>
+            <a:endParaRPr lang="en-US" altLang="ko-KR" sz="2000" b="1" dirty="0"/>
           </a:p>
           <a:p>
             <a:pPr marL="342900" indent="-342900">
               <a:buAutoNum type="arabicPeriod"/>
             </a:pPr>
-            <a:endParaRPr lang="en-US" altLang="ko-KR" dirty="0"/>
+            <a:endParaRPr lang="en-US" altLang="ko-KR" sz="2000" b="1" dirty="0" smtClean="0"/>
+          </a:p>
+          <a:p>
+            <a:r>
+              <a:rPr lang="ko-KR" altLang="en-US" sz="2000" b="1" dirty="0" smtClean="0"/>
+              <a:t>대리자의 사용법 </a:t>
+            </a:r>
+            <a:r>
+              <a:rPr lang="en-US" altLang="ko-KR" sz="2000" b="1" dirty="0" smtClean="0"/>
+              <a:t>: </a:t>
+            </a:r>
+            <a:r>
+              <a:rPr lang="ko-KR" altLang="en-US" sz="2000" b="1" dirty="0" smtClean="0"/>
+              <a:t>일반화</a:t>
+            </a:r>
+            <a:r>
+              <a:rPr lang="en-US" altLang="ko-KR" sz="2000" b="1" dirty="0" smtClean="0"/>
+              <a:t>, </a:t>
+            </a:r>
+            <a:r>
+              <a:rPr lang="ko-KR" altLang="en-US" sz="2000" b="1" dirty="0" smtClean="0"/>
+              <a:t>체인</a:t>
+            </a:r>
+            <a:r>
+              <a:rPr lang="en-US" altLang="ko-KR" sz="2000" b="1" dirty="0" smtClean="0"/>
+              <a:t>, </a:t>
+            </a:r>
+            <a:r>
+              <a:rPr lang="ko-KR" altLang="en-US" sz="2000" b="1" dirty="0" smtClean="0"/>
+              <a:t>익명 </a:t>
+            </a:r>
+            <a:r>
+              <a:rPr lang="ko-KR" altLang="en-US" sz="2000" b="1" dirty="0" err="1" smtClean="0"/>
+              <a:t>메소드</a:t>
+            </a:r>
+            <a:endParaRPr lang="en-US" altLang="ko-KR" sz="2000" b="1" dirty="0" smtClean="0"/>
           </a:p>
           <a:p>
             <a:pPr marL="342900" indent="-342900">
               <a:buAutoNum type="arabicPeriod"/>
             </a:pPr>
-            <a:endParaRPr lang="en-US" altLang="ko-KR" dirty="0" smtClean="0"/>
+            <a:endParaRPr lang="en-US" altLang="ko-KR" sz="2000" b="1" dirty="0" smtClean="0"/>
           </a:p>
           <a:p>
             <a:pPr marL="342900" indent="-342900">
               <a:buAutoNum type="arabicPeriod"/>
             </a:pPr>
-            <a:r>
-              <a:rPr lang="ko-KR" altLang="en-US" dirty="0" smtClean="0"/>
-              <a:t>대리자의 사용법 </a:t>
-            </a:r>
-            <a:r>
-              <a:rPr lang="en-US" altLang="ko-KR" dirty="0" smtClean="0"/>
-              <a:t>: </a:t>
-            </a:r>
-            <a:r>
-              <a:rPr lang="ko-KR" altLang="en-US" dirty="0" smtClean="0"/>
-              <a:t>일반화</a:t>
-            </a:r>
-            <a:r>
-              <a:rPr lang="en-US" altLang="ko-KR" dirty="0" smtClean="0"/>
-              <a:t>, </a:t>
-            </a:r>
-            <a:r>
-              <a:rPr lang="ko-KR" altLang="en-US" dirty="0" smtClean="0"/>
-              <a:t>체인</a:t>
-            </a:r>
-            <a:r>
-              <a:rPr lang="en-US" altLang="ko-KR" dirty="0" smtClean="0"/>
-              <a:t>, </a:t>
-            </a:r>
-            <a:r>
-              <a:rPr lang="ko-KR" altLang="en-US" dirty="0" smtClean="0"/>
-              <a:t>익명 </a:t>
-            </a:r>
-            <a:r>
-              <a:rPr lang="ko-KR" altLang="en-US" dirty="0" err="1" smtClean="0"/>
-              <a:t>메소드</a:t>
-            </a:r>
-            <a:endParaRPr lang="en-US" altLang="ko-KR" dirty="0" smtClean="0"/>
+            <a:endParaRPr lang="en-US" altLang="ko-KR" sz="2000" b="1" dirty="0"/>
           </a:p>
           <a:p>
             <a:pPr marL="342900" indent="-342900">
               <a:buAutoNum type="arabicPeriod"/>
             </a:pPr>
-            <a:endParaRPr lang="en-US" altLang="ko-KR" dirty="0"/>
-          </a:p>
-          <a:p>
-            <a:pPr marL="342900" indent="-342900">
-              <a:buAutoNum type="arabicPeriod"/>
+            <a:endParaRPr lang="en-US" altLang="ko-KR" sz="2000" b="1" dirty="0" smtClean="0"/>
+          </a:p>
+          <a:p>
+            <a:r>
+              <a:rPr lang="ko-KR" altLang="en-US" sz="2000" b="1" dirty="0" smtClean="0"/>
+              <a:t>이벤트</a:t>
+            </a:r>
+            <a:endParaRPr lang="ko-KR" altLang="en-US" sz="2000" b="1" dirty="0"/>
+          </a:p>
+        </p:txBody>
+      </p:sp>
+      <p:sp>
+        <p:nvSpPr>
+          <p:cNvPr id="5" name="Google Shape;103;p15"/>
+          <p:cNvSpPr/>
+          <p:nvPr/>
+        </p:nvSpPr>
+        <p:spPr>
+          <a:xfrm>
+            <a:off x="1606474" y="1522193"/>
+            <a:ext cx="640080" cy="640080"/>
+          </a:xfrm>
+          <a:prstGeom prst="roundRect">
+            <a:avLst>
+              <a:gd name="adj" fmla="val 29384"/>
+            </a:avLst>
+          </a:prstGeom>
+          <a:solidFill>
+            <a:schemeClr val="accent6"/>
+          </a:solidFill>
+          <a:ln>
+            <a:noFill/>
+          </a:ln>
+        </p:spPr>
+        <p:txBody>
+          <a:bodyPr spcFirstLastPara="1" wrap="square" lIns="91425" tIns="45700" rIns="91425" bIns="45700" anchor="ctr" anchorCtr="0">
+            <a:noAutofit/>
+          </a:bodyPr>
+          <a:lstStyle/>
+          <a:p>
+            <a:pPr marL="0" marR="0" lvl="0" indent="0" algn="ctr" rtl="0">
+              <a:spcBef>
+                <a:spcPts val="0"/>
+              </a:spcBef>
+              <a:spcAft>
+                <a:spcPts val="0"/>
+              </a:spcAft>
+              <a:buNone/>
             </a:pPr>
-            <a:endParaRPr lang="en-US" altLang="ko-KR" dirty="0" smtClean="0"/>
-          </a:p>
-          <a:p>
-            <a:pPr marL="342900" indent="-342900">
-              <a:buAutoNum type="arabicPeriod"/>
+            <a:r>
+              <a:rPr lang="ko-KR" sz="3200" b="1" dirty="0">
+                <a:solidFill>
+                  <a:schemeClr val="lt1"/>
+                </a:solidFill>
+                <a:latin typeface="Arial"/>
+                <a:ea typeface="Arial"/>
+                <a:cs typeface="Arial"/>
+                <a:sym typeface="Arial"/>
+              </a:rPr>
+              <a:t>1</a:t>
+            </a:r>
+            <a:endParaRPr dirty="0"/>
+          </a:p>
+        </p:txBody>
+      </p:sp>
+      <p:sp>
+        <p:nvSpPr>
+          <p:cNvPr id="6" name="Google Shape;105;p15"/>
+          <p:cNvSpPr/>
+          <p:nvPr/>
+        </p:nvSpPr>
+        <p:spPr>
+          <a:xfrm>
+            <a:off x="1606474" y="2803712"/>
+            <a:ext cx="640080" cy="640080"/>
+          </a:xfrm>
+          <a:prstGeom prst="roundRect">
+            <a:avLst>
+              <a:gd name="adj" fmla="val 29384"/>
+            </a:avLst>
+          </a:prstGeom>
+          <a:solidFill>
+            <a:srgbClr val="FEB834"/>
+          </a:solidFill>
+          <a:ln w="12700" cap="flat" cmpd="sng">
+            <a:solidFill>
+              <a:srgbClr val="FEB834"/>
+            </a:solidFill>
+            <a:prstDash val="solid"/>
+            <a:miter lim="8000"/>
+            <a:headEnd type="none" w="sm" len="sm"/>
+            <a:tailEnd type="none" w="sm" len="sm"/>
+          </a:ln>
+        </p:spPr>
+        <p:txBody>
+          <a:bodyPr spcFirstLastPara="1" wrap="square" lIns="0" tIns="45700" rIns="0" bIns="45700" anchor="ctr" anchorCtr="0">
+            <a:noAutofit/>
+          </a:bodyPr>
+          <a:lstStyle/>
+          <a:p>
+            <a:pPr marL="0" marR="0" lvl="0" indent="0" algn="ctr" rtl="0">
+              <a:spcBef>
+                <a:spcPts val="0"/>
+              </a:spcBef>
+              <a:spcAft>
+                <a:spcPts val="0"/>
+              </a:spcAft>
+              <a:buNone/>
             </a:pPr>
             <a:r>
-              <a:rPr lang="ko-KR" altLang="en-US" dirty="0" smtClean="0"/>
-              <a:t>이벤트</a:t>
-            </a:r>
-            <a:endParaRPr lang="ko-KR" altLang="en-US" dirty="0"/>
+              <a:rPr lang="ko-KR" sz="2800" b="1">
+                <a:solidFill>
+                  <a:schemeClr val="lt1"/>
+                </a:solidFill>
+                <a:latin typeface="Arial"/>
+                <a:ea typeface="Arial"/>
+                <a:cs typeface="Arial"/>
+                <a:sym typeface="Arial"/>
+              </a:rPr>
+              <a:t>2</a:t>
+            </a:r>
+            <a:endParaRPr/>
+          </a:p>
+        </p:txBody>
+      </p:sp>
+      <p:sp>
+        <p:nvSpPr>
+          <p:cNvPr id="7" name="Google Shape;107;p15"/>
+          <p:cNvSpPr/>
+          <p:nvPr/>
+        </p:nvSpPr>
+        <p:spPr>
+          <a:xfrm>
+            <a:off x="1606474" y="3967028"/>
+            <a:ext cx="640080" cy="640080"/>
+          </a:xfrm>
+          <a:prstGeom prst="roundRect">
+            <a:avLst>
+              <a:gd name="adj" fmla="val 29384"/>
+            </a:avLst>
+          </a:prstGeom>
+          <a:solidFill>
+            <a:schemeClr val="accent5">
+              <a:lumMod val="60000"/>
+              <a:lumOff val="40000"/>
+            </a:schemeClr>
+          </a:solidFill>
+          <a:ln>
+            <a:noFill/>
+          </a:ln>
+        </p:spPr>
+        <p:txBody>
+          <a:bodyPr spcFirstLastPara="1" wrap="square" lIns="0" tIns="45700" rIns="0" bIns="45700" anchor="ctr" anchorCtr="0">
+            <a:noAutofit/>
+          </a:bodyPr>
+          <a:lstStyle/>
+          <a:p>
+            <a:pPr marL="0" marR="0" lvl="0" indent="0" algn="ctr" rtl="0">
+              <a:spcBef>
+                <a:spcPts val="0"/>
+              </a:spcBef>
+              <a:spcAft>
+                <a:spcPts val="0"/>
+              </a:spcAft>
+              <a:buNone/>
+            </a:pPr>
+            <a:r>
+              <a:rPr lang="ko-KR" sz="2800" b="1" dirty="0">
+                <a:solidFill>
+                  <a:schemeClr val="lt1"/>
+                </a:solidFill>
+                <a:latin typeface="Arial"/>
+                <a:ea typeface="Arial"/>
+                <a:cs typeface="Arial"/>
+                <a:sym typeface="Arial"/>
+              </a:rPr>
+              <a:t>3</a:t>
+            </a:r>
+            <a:endParaRPr sz="2800" b="1" dirty="0">
+              <a:solidFill>
+                <a:schemeClr val="lt1"/>
+              </a:solidFill>
+              <a:latin typeface="Arial"/>
+              <a:ea typeface="Arial"/>
+              <a:cs typeface="Arial"/>
+              <a:sym typeface="Arial"/>
+            </a:endParaRPr>
+          </a:p>
+        </p:txBody>
+      </p:sp>
+      <p:sp>
+        <p:nvSpPr>
+          <p:cNvPr id="8" name="Google Shape;107;p15"/>
+          <p:cNvSpPr/>
+          <p:nvPr/>
+        </p:nvSpPr>
+        <p:spPr>
+          <a:xfrm>
+            <a:off x="1606474" y="5154301"/>
+            <a:ext cx="640080" cy="640080"/>
+          </a:xfrm>
+          <a:prstGeom prst="roundRect">
+            <a:avLst>
+              <a:gd name="adj" fmla="val 29384"/>
+            </a:avLst>
+          </a:prstGeom>
+          <a:solidFill>
+            <a:schemeClr val="accent2">
+              <a:lumMod val="60000"/>
+              <a:lumOff val="40000"/>
+            </a:schemeClr>
+          </a:solidFill>
+          <a:ln>
+            <a:noFill/>
+          </a:ln>
+        </p:spPr>
+        <p:txBody>
+          <a:bodyPr spcFirstLastPara="1" wrap="square" lIns="0" tIns="45700" rIns="0" bIns="45700" anchor="ctr" anchorCtr="0">
+            <a:noAutofit/>
+          </a:bodyPr>
+          <a:lstStyle/>
+          <a:p>
+            <a:pPr marL="0" marR="0" lvl="0" indent="0" algn="ctr" rtl="0">
+              <a:spcBef>
+                <a:spcPts val="0"/>
+              </a:spcBef>
+              <a:spcAft>
+                <a:spcPts val="0"/>
+              </a:spcAft>
+              <a:buNone/>
+            </a:pPr>
+            <a:r>
+              <a:rPr lang="en-US" altLang="ko-KR" sz="2800" b="1" dirty="0" smtClean="0">
+                <a:solidFill>
+                  <a:schemeClr val="lt1"/>
+                </a:solidFill>
+                <a:latin typeface="Arial"/>
+                <a:ea typeface="Arial"/>
+                <a:cs typeface="Arial"/>
+                <a:sym typeface="Arial"/>
+              </a:rPr>
+              <a:t>4</a:t>
+            </a:r>
+            <a:endParaRPr sz="2800" b="1" dirty="0">
+              <a:solidFill>
+                <a:schemeClr val="lt1"/>
+              </a:solidFill>
+              <a:latin typeface="Arial"/>
+              <a:ea typeface="Arial"/>
+              <a:cs typeface="Arial"/>
+              <a:sym typeface="Arial"/>
+            </a:endParaRPr>
           </a:p>
         </p:txBody>
       </p:sp>
@@ -3775,7 +4736,7 @@
         </p:nvSpPr>
         <p:spPr>
           <a:xfrm>
-            <a:off x="791737" y="1003610"/>
+            <a:off x="1405054" y="879161"/>
             <a:ext cx="5542156" cy="461665"/>
           </a:xfrm>
           <a:prstGeom prst="rect">
@@ -3789,10 +4750,6 @@
           </a:bodyPr>
           <a:lstStyle/>
           <a:p>
-            <a:r>
-              <a:rPr lang="en-US" altLang="ko-KR" sz="2400" b="1" dirty="0" smtClean="0"/>
-              <a:t>1. </a:t>
-            </a:r>
             <a:r>
               <a:rPr lang="ko-KR" altLang="en-US" sz="2400" b="1" dirty="0" smtClean="0"/>
               <a:t>대리자</a:t>
@@ -4223,7 +5180,7 @@
         </p:nvSpPr>
         <p:spPr>
           <a:xfrm>
-            <a:off x="1315844" y="3858321"/>
+            <a:off x="1810214" y="3879189"/>
             <a:ext cx="7627434" cy="369332"/>
           </a:xfrm>
           <a:prstGeom prst="rect">
@@ -4265,7 +5222,7 @@
         </p:nvSpPr>
         <p:spPr>
           <a:xfrm>
-            <a:off x="1315844" y="4481446"/>
+            <a:off x="1810214" y="4502314"/>
             <a:ext cx="9400478" cy="369332"/>
           </a:xfrm>
           <a:prstGeom prst="rect">
@@ -4315,7 +5272,7 @@
         </p:nvSpPr>
         <p:spPr>
           <a:xfrm>
-            <a:off x="1315844" y="5104571"/>
+            <a:off x="1810214" y="5125439"/>
             <a:ext cx="9400478" cy="369332"/>
           </a:xfrm>
           <a:prstGeom prst="rect">
@@ -4350,6 +5307,256 @@
               <a:t>메소드</a:t>
             </a:r>
             <a:endParaRPr lang="ko-KR" altLang="en-US" dirty="0"/>
+          </a:p>
+        </p:txBody>
+      </p:sp>
+      <p:sp>
+        <p:nvSpPr>
+          <p:cNvPr id="20" name="Google Shape;113;p16"/>
+          <p:cNvSpPr/>
+          <p:nvPr/>
+        </p:nvSpPr>
+        <p:spPr>
+          <a:xfrm>
+            <a:off x="136175" y="174812"/>
+            <a:ext cx="11806517" cy="6535270"/>
+          </a:xfrm>
+          <a:prstGeom prst="rect">
+            <a:avLst/>
+          </a:prstGeom>
+          <a:noFill/>
+          <a:ln w="12700" cap="flat" cmpd="sng">
+            <a:solidFill>
+              <a:srgbClr val="3D9FAC"/>
+            </a:solidFill>
+            <a:prstDash val="solid"/>
+            <a:miter lim="8000"/>
+            <a:headEnd type="none" w="sm" len="sm"/>
+            <a:tailEnd type="none" w="sm" len="sm"/>
+          </a:ln>
+        </p:spPr>
+        <p:txBody>
+          <a:bodyPr spcFirstLastPara="1" wrap="square" lIns="91425" tIns="45700" rIns="91425" bIns="45700" anchor="ctr" anchorCtr="0">
+            <a:noAutofit/>
+          </a:bodyPr>
+          <a:lstStyle/>
+          <a:p>
+            <a:pPr marL="0" marR="0" lvl="0" indent="0" algn="ctr" rtl="0">
+              <a:spcBef>
+                <a:spcPts val="0"/>
+              </a:spcBef>
+              <a:spcAft>
+                <a:spcPts val="0"/>
+              </a:spcAft>
+              <a:buNone/>
+            </a:pPr>
+            <a:endParaRPr sz="1800">
+              <a:solidFill>
+                <a:schemeClr val="accent6"/>
+              </a:solidFill>
+              <a:latin typeface="Arial"/>
+              <a:ea typeface="Arial"/>
+              <a:cs typeface="Arial"/>
+              <a:sym typeface="Arial"/>
+            </a:endParaRPr>
+          </a:p>
+        </p:txBody>
+      </p:sp>
+      <p:sp>
+        <p:nvSpPr>
+          <p:cNvPr id="21" name="Google Shape;103;p15"/>
+          <p:cNvSpPr/>
+          <p:nvPr/>
+        </p:nvSpPr>
+        <p:spPr>
+          <a:xfrm>
+            <a:off x="675764" y="789953"/>
+            <a:ext cx="640080" cy="640080"/>
+          </a:xfrm>
+          <a:prstGeom prst="roundRect">
+            <a:avLst>
+              <a:gd name="adj" fmla="val 29384"/>
+            </a:avLst>
+          </a:prstGeom>
+          <a:solidFill>
+            <a:schemeClr val="accent6"/>
+          </a:solidFill>
+          <a:ln>
+            <a:noFill/>
+          </a:ln>
+        </p:spPr>
+        <p:txBody>
+          <a:bodyPr spcFirstLastPara="1" wrap="square" lIns="91425" tIns="45700" rIns="91425" bIns="45700" anchor="ctr" anchorCtr="0">
+            <a:noAutofit/>
+          </a:bodyPr>
+          <a:lstStyle/>
+          <a:p>
+            <a:pPr marL="0" marR="0" lvl="0" indent="0" algn="ctr" rtl="0">
+              <a:spcBef>
+                <a:spcPts val="0"/>
+              </a:spcBef>
+              <a:spcAft>
+                <a:spcPts val="0"/>
+              </a:spcAft>
+              <a:buNone/>
+            </a:pPr>
+            <a:r>
+              <a:rPr lang="ko-KR" sz="3200" b="1" dirty="0">
+                <a:solidFill>
+                  <a:schemeClr val="lt1"/>
+                </a:solidFill>
+                <a:latin typeface="Arial"/>
+                <a:ea typeface="Arial"/>
+                <a:cs typeface="Arial"/>
+                <a:sym typeface="Arial"/>
+              </a:rPr>
+              <a:t>1</a:t>
+            </a:r>
+            <a:endParaRPr dirty="0"/>
+          </a:p>
+        </p:txBody>
+      </p:sp>
+      <p:sp>
+        <p:nvSpPr>
+          <p:cNvPr id="22" name="Google Shape;136;p17"/>
+          <p:cNvSpPr/>
+          <p:nvPr/>
+        </p:nvSpPr>
+        <p:spPr>
+          <a:xfrm>
+            <a:off x="1478882" y="3959983"/>
+            <a:ext cx="198032" cy="198031"/>
+          </a:xfrm>
+          <a:prstGeom prst="ellipse">
+            <a:avLst/>
+          </a:prstGeom>
+          <a:solidFill>
+            <a:schemeClr val="accent6"/>
+          </a:solidFill>
+          <a:ln>
+            <a:noFill/>
+          </a:ln>
+        </p:spPr>
+        <p:txBody>
+          <a:bodyPr spcFirstLastPara="1" wrap="square" lIns="91425" tIns="45700" rIns="91425" bIns="45700" anchor="ctr" anchorCtr="0">
+            <a:noAutofit/>
+          </a:bodyPr>
+          <a:lstStyle/>
+          <a:p>
+            <a:pPr marL="0" marR="0" lvl="0" indent="0" algn="ctr" rtl="0">
+              <a:spcBef>
+                <a:spcPts val="0"/>
+              </a:spcBef>
+              <a:spcAft>
+                <a:spcPts val="0"/>
+              </a:spcAft>
+              <a:buNone/>
+            </a:pPr>
+            <a:endParaRPr sz="1800">
+              <a:solidFill>
+                <a:schemeClr val="lt1"/>
+              </a:solidFill>
+              <a:latin typeface="Arial"/>
+              <a:ea typeface="Arial"/>
+              <a:cs typeface="Arial"/>
+              <a:sym typeface="Arial"/>
+            </a:endParaRPr>
+          </a:p>
+        </p:txBody>
+      </p:sp>
+      <p:sp>
+        <p:nvSpPr>
+          <p:cNvPr id="23" name="Google Shape;136;p17"/>
+          <p:cNvSpPr/>
+          <p:nvPr/>
+        </p:nvSpPr>
+        <p:spPr>
+          <a:xfrm>
+            <a:off x="1478882" y="4587964"/>
+            <a:ext cx="198032" cy="198031"/>
+          </a:xfrm>
+          <a:prstGeom prst="ellipse">
+            <a:avLst/>
+          </a:prstGeom>
+          <a:solidFill>
+            <a:schemeClr val="accent6"/>
+          </a:solidFill>
+          <a:ln>
+            <a:noFill/>
+          </a:ln>
+        </p:spPr>
+        <p:txBody>
+          <a:bodyPr spcFirstLastPara="1" wrap="square" lIns="91425" tIns="45700" rIns="91425" bIns="45700" anchor="ctr" anchorCtr="0">
+            <a:noAutofit/>
+          </a:bodyPr>
+          <a:lstStyle/>
+          <a:p>
+            <a:pPr marL="0" marR="0" lvl="0" indent="0" algn="ctr" rtl="0">
+              <a:spcBef>
+                <a:spcPts val="0"/>
+              </a:spcBef>
+              <a:spcAft>
+                <a:spcPts val="0"/>
+              </a:spcAft>
+              <a:buNone/>
+            </a:pPr>
+            <a:endParaRPr sz="1800">
+              <a:solidFill>
+                <a:schemeClr val="lt1"/>
+              </a:solidFill>
+              <a:latin typeface="Arial"/>
+              <a:ea typeface="Arial"/>
+              <a:cs typeface="Arial"/>
+              <a:sym typeface="Arial"/>
+            </a:endParaRPr>
+          </a:p>
+        </p:txBody>
+      </p:sp>
+      <p:sp>
+        <p:nvSpPr>
+          <p:cNvPr id="24" name="Google Shape;136;p17"/>
+          <p:cNvSpPr/>
+          <p:nvPr/>
+        </p:nvSpPr>
+        <p:spPr>
+          <a:xfrm>
+            <a:off x="1478882" y="5211089"/>
+            <a:ext cx="198032" cy="198031"/>
+          </a:xfrm>
+          <a:prstGeom prst="ellipse">
+            <a:avLst/>
+          </a:prstGeom>
+          <a:solidFill>
+            <a:schemeClr val="accent6"/>
+          </a:solidFill>
+          <a:ln>
+            <a:noFill/>
+          </a:ln>
+        </p:spPr>
+        <p:txBody>
+          <a:bodyPr spcFirstLastPara="1" wrap="square" lIns="91425" tIns="45700" rIns="91425" bIns="45700" anchor="ctr" anchorCtr="0">
+            <a:noAutofit/>
+          </a:bodyPr>
+          <a:lstStyle/>
+          <a:p>
+            <a:pPr marL="0" marR="0" lvl="0" indent="0" algn="ctr" rtl="0">
+              <a:spcBef>
+                <a:spcPts val="0"/>
+              </a:spcBef>
+              <a:spcAft>
+                <a:spcPts val="0"/>
+              </a:spcAft>
+              <a:buNone/>
+            </a:pPr>
+            <a:endParaRPr sz="1800">
+              <a:solidFill>
+                <a:schemeClr val="lt1"/>
+              </a:solidFill>
+              <a:latin typeface="Arial"/>
+              <a:ea typeface="Arial"/>
+              <a:cs typeface="Arial"/>
+              <a:sym typeface="Arial"/>
+            </a:endParaRPr>
           </a:p>
         </p:txBody>
       </p:sp>
@@ -4363,6 +5570,162 @@
   <p:clrMapOvr>
     <a:masterClrMapping/>
   </p:clrMapOvr>
+  <p:timing>
+    <p:tnLst>
+      <p:par>
+        <p:cTn id="1" dur="indefinite" restart="never" nodeType="tmRoot">
+          <p:childTnLst>
+            <p:seq concurrent="1" nextAc="seek">
+              <p:cTn id="2" dur="indefinite" nodeType="mainSeq">
+                <p:childTnLst>
+                  <p:par>
+                    <p:cTn id="3" fill="hold">
+                      <p:stCondLst>
+                        <p:cond delay="indefinite"/>
+                        <p:cond evt="onBegin" delay="0">
+                          <p:tn val="2"/>
+                        </p:cond>
+                      </p:stCondLst>
+                      <p:childTnLst>
+                        <p:par>
+                          <p:cTn id="4" fill="hold">
+                            <p:stCondLst>
+                              <p:cond delay="0"/>
+                            </p:stCondLst>
+                            <p:childTnLst>
+                              <p:par>
+                                <p:cTn id="5" presetID="10" presetClass="entr" presetSubtype="0" fill="hold" nodeType="withEffect">
+                                  <p:stCondLst>
+                                    <p:cond delay="0"/>
+                                  </p:stCondLst>
+                                  <p:childTnLst>
+                                    <p:set>
+                                      <p:cBhvr>
+                                        <p:cTn id="6" dur="1" fill="hold">
+                                          <p:stCondLst>
+                                            <p:cond delay="0"/>
+                                          </p:stCondLst>
+                                        </p:cTn>
+                                        <p:tgtEl>
+                                          <p:spTgt spid="22"/>
+                                        </p:tgtEl>
+                                        <p:attrNameLst>
+                                          <p:attrName>style.visibility</p:attrName>
+                                        </p:attrNameLst>
+                                      </p:cBhvr>
+                                      <p:to>
+                                        <p:strVal val="visible"/>
+                                      </p:to>
+                                    </p:set>
+                                    <p:animEffect transition="in" filter="fade">
+                                      <p:cBhvr>
+                                        <p:cTn id="7" dur="1000"/>
+                                        <p:tgtEl>
+                                          <p:spTgt spid="22"/>
+                                        </p:tgtEl>
+                                      </p:cBhvr>
+                                    </p:animEffect>
+                                  </p:childTnLst>
+                                </p:cTn>
+                              </p:par>
+                              <p:par>
+                                <p:cTn id="8" presetID="10" presetClass="entr" presetSubtype="0" fill="hold" nodeType="withEffect">
+                                  <p:stCondLst>
+                                    <p:cond delay="0"/>
+                                  </p:stCondLst>
+                                  <p:childTnLst>
+                                    <p:set>
+                                      <p:cBhvr>
+                                        <p:cTn id="9" dur="1" fill="hold">
+                                          <p:stCondLst>
+                                            <p:cond delay="0"/>
+                                          </p:stCondLst>
+                                        </p:cTn>
+                                        <p:tgtEl>
+                                          <p:spTgt spid="23"/>
+                                        </p:tgtEl>
+                                        <p:attrNameLst>
+                                          <p:attrName>style.visibility</p:attrName>
+                                        </p:attrNameLst>
+                                      </p:cBhvr>
+                                      <p:to>
+                                        <p:strVal val="visible"/>
+                                      </p:to>
+                                    </p:set>
+                                    <p:animEffect transition="in" filter="fade">
+                                      <p:cBhvr>
+                                        <p:cTn id="10" dur="1000"/>
+                                        <p:tgtEl>
+                                          <p:spTgt spid="23"/>
+                                        </p:tgtEl>
+                                      </p:cBhvr>
+                                    </p:animEffect>
+                                  </p:childTnLst>
+                                </p:cTn>
+                              </p:par>
+                              <p:par>
+                                <p:cTn id="11" presetID="10" presetClass="entr" presetSubtype="0" fill="hold" nodeType="withEffect">
+                                  <p:stCondLst>
+                                    <p:cond delay="0"/>
+                                  </p:stCondLst>
+                                  <p:childTnLst>
+                                    <p:set>
+                                      <p:cBhvr>
+                                        <p:cTn id="12" dur="1" fill="hold">
+                                          <p:stCondLst>
+                                            <p:cond delay="0"/>
+                                          </p:stCondLst>
+                                        </p:cTn>
+                                        <p:tgtEl>
+                                          <p:spTgt spid="24"/>
+                                        </p:tgtEl>
+                                        <p:attrNameLst>
+                                          <p:attrName>style.visibility</p:attrName>
+                                        </p:attrNameLst>
+                                      </p:cBhvr>
+                                      <p:to>
+                                        <p:strVal val="visible"/>
+                                      </p:to>
+                                    </p:set>
+                                    <p:animEffect transition="in" filter="fade">
+                                      <p:cBhvr>
+                                        <p:cTn id="13" dur="1000"/>
+                                        <p:tgtEl>
+                                          <p:spTgt spid="24"/>
+                                        </p:tgtEl>
+                                      </p:cBhvr>
+                                    </p:animEffect>
+                                  </p:childTnLst>
+                                </p:cTn>
+                              </p:par>
+                            </p:childTnLst>
+                          </p:cTn>
+                        </p:par>
+                      </p:childTnLst>
+                    </p:cTn>
+                  </p:par>
+                </p:childTnLst>
+              </p:cTn>
+              <p:prevCondLst>
+                <p:cond evt="onPrev" delay="0">
+                  <p:tgtEl>
+                    <p:sldTgt/>
+                  </p:tgtEl>
+                </p:cond>
+              </p:prevCondLst>
+              <p:nextCondLst>
+                <p:cond evt="onNext" delay="0">
+                  <p:tgtEl>
+                    <p:sldTgt/>
+                  </p:tgtEl>
+                </p:cond>
+              </p:nextCondLst>
+            </p:seq>
+          </p:childTnLst>
+        </p:cTn>
+      </p:par>
+    </p:tnLst>
+  </p:timing>
 </p:sld>
 </file>
 
@@ -4391,7 +5754,7 @@
         </p:nvSpPr>
         <p:spPr>
           <a:xfrm>
-            <a:off x="791737" y="1003610"/>
+            <a:off x="1393903" y="879160"/>
             <a:ext cx="5542156" cy="461665"/>
           </a:xfrm>
           <a:prstGeom prst="rect">
@@ -4405,10 +5768,6 @@
           </a:bodyPr>
           <a:lstStyle/>
           <a:p>
-            <a:r>
-              <a:rPr lang="en-US" altLang="ko-KR" sz="2400" b="1" dirty="0" smtClean="0"/>
-              <a:t>1. </a:t>
-            </a:r>
             <a:r>
               <a:rPr lang="ko-KR" altLang="en-US" sz="2400" b="1" dirty="0" smtClean="0"/>
               <a:t>대리자</a:t>
@@ -4515,6 +5874,112 @@
           </a:prstGeom>
         </p:spPr>
       </p:pic>
+      <p:sp>
+        <p:nvSpPr>
+          <p:cNvPr id="7" name="Google Shape;113;p16"/>
+          <p:cNvSpPr/>
+          <p:nvPr/>
+        </p:nvSpPr>
+        <p:spPr>
+          <a:xfrm>
+            <a:off x="136175" y="174812"/>
+            <a:ext cx="11806517" cy="6535270"/>
+          </a:xfrm>
+          <a:prstGeom prst="rect">
+            <a:avLst/>
+          </a:prstGeom>
+          <a:noFill/>
+          <a:ln w="12700" cap="flat" cmpd="sng">
+            <a:solidFill>
+              <a:srgbClr val="3D9FAC"/>
+            </a:solidFill>
+            <a:prstDash val="solid"/>
+            <a:miter lim="8000"/>
+            <a:headEnd type="none" w="sm" len="sm"/>
+            <a:tailEnd type="none" w="sm" len="sm"/>
+          </a:ln>
+        </p:spPr>
+        <p:txBody>
+          <a:bodyPr spcFirstLastPara="1" wrap="square" lIns="91425" tIns="45700" rIns="91425" bIns="45700" anchor="ctr" anchorCtr="0">
+            <a:noAutofit/>
+          </a:bodyPr>
+          <a:lstStyle/>
+          <a:p>
+            <a:pPr marL="0" marR="0" lvl="0" indent="0" algn="ctr" rtl="0">
+              <a:spcBef>
+                <a:spcPts val="0"/>
+              </a:spcBef>
+              <a:spcAft>
+                <a:spcPts val="0"/>
+              </a:spcAft>
+              <a:buNone/>
+            </a:pPr>
+            <a:endParaRPr sz="1800">
+              <a:solidFill>
+                <a:schemeClr val="accent6"/>
+              </a:solidFill>
+              <a:latin typeface="Arial"/>
+              <a:ea typeface="Arial"/>
+              <a:cs typeface="Arial"/>
+              <a:sym typeface="Arial"/>
+            </a:endParaRPr>
+          </a:p>
+        </p:txBody>
+      </p:sp>
+      <p:sp>
+        <p:nvSpPr>
+          <p:cNvPr id="8" name="Google Shape;103;p15"/>
+          <p:cNvSpPr/>
+          <p:nvPr/>
+        </p:nvSpPr>
+        <p:spPr>
+          <a:xfrm>
+            <a:off x="675764" y="789953"/>
+            <a:ext cx="640080" cy="640080"/>
+          </a:xfrm>
+          <a:prstGeom prst="roundRect">
+            <a:avLst>
+              <a:gd name="adj" fmla="val 29384"/>
+            </a:avLst>
+          </a:prstGeom>
+          <a:solidFill>
+            <a:schemeClr val="accent6"/>
+          </a:solidFill>
+          <a:ln>
+            <a:noFill/>
+          </a:ln>
+        </p:spPr>
+        <p:txBody>
+          <a:bodyPr spcFirstLastPara="1" wrap="square" lIns="91425" tIns="45700" rIns="91425" bIns="45700" anchor="ctr" anchorCtr="0">
+            <a:noAutofit/>
+          </a:bodyPr>
+          <a:lstStyle/>
+          <a:p>
+            <a:pPr marL="0" marR="0" lvl="0" indent="0" algn="ctr" rtl="0">
+              <a:spcBef>
+                <a:spcPts val="0"/>
+              </a:spcBef>
+              <a:spcAft>
+                <a:spcPts val="0"/>
+              </a:spcAft>
+              <a:buNone/>
+            </a:pPr>
+            <a:r>
+              <a:rPr lang="ko-KR" sz="3200" b="1" dirty="0">
+                <a:solidFill>
+                  <a:schemeClr val="lt1"/>
+                </a:solidFill>
+                <a:latin typeface="Arial"/>
+                <a:ea typeface="Arial"/>
+                <a:cs typeface="Arial"/>
+                <a:sym typeface="Arial"/>
+              </a:rPr>
+              <a:t>1</a:t>
+            </a:r>
+            <a:endParaRPr dirty="0"/>
+          </a:p>
+        </p:txBody>
+      </p:sp>
     </p:spTree>
     <p:extLst>
       <p:ext uri="{BB962C8B-B14F-4D97-AF65-F5344CB8AC3E}">
@@ -4553,7 +6018,7 @@
         </p:nvSpPr>
         <p:spPr>
           <a:xfrm>
-            <a:off x="791737" y="1003610"/>
+            <a:off x="1349298" y="965098"/>
             <a:ext cx="5542156" cy="461665"/>
           </a:xfrm>
           <a:prstGeom prst="rect">
@@ -4568,12 +6033,12 @@
           <a:lstStyle/>
           <a:p>
             <a:r>
-              <a:rPr lang="en-US" altLang="ko-KR" sz="2400" b="1" dirty="0" smtClean="0"/>
-              <a:t>2. </a:t>
-            </a:r>
-            <a:r>
               <a:rPr lang="ko-KR" altLang="en-US" sz="2400" b="1" dirty="0" smtClean="0"/>
-              <a:t>대리자는 왜</a:t>
+              <a:t>대리자는 </a:t>
+            </a:r>
+            <a:r>
+              <a:rPr lang="ko-KR" altLang="en-US" sz="2400" b="1" dirty="0" smtClean="0"/>
+              <a:t>왜</a:t>
             </a:r>
             <a:r>
               <a:rPr lang="en-US" altLang="ko-KR" sz="2400" b="1" dirty="0" smtClean="0"/>
@@ -4689,11 +6154,23 @@
             </a:r>
             <a:r>
               <a:rPr lang="ko-KR" altLang="en-US" dirty="0" err="1" smtClean="0"/>
-              <a:t>콜백메소드가</a:t>
+              <a:t>콜백</a:t>
             </a:r>
             <a:r>
               <a:rPr lang="ko-KR" altLang="en-US" dirty="0" smtClean="0"/>
-              <a:t> 대신 넘겨 주어 </a:t>
+              <a:t> </a:t>
+            </a:r>
+            <a:r>
+              <a:rPr lang="ko-KR" altLang="en-US" dirty="0" err="1" smtClean="0"/>
+              <a:t>메소드가</a:t>
+            </a:r>
+            <a:r>
+              <a:rPr lang="ko-KR" altLang="en-US" dirty="0" smtClean="0"/>
+              <a:t> </a:t>
+            </a:r>
+            <a:r>
+              <a:rPr lang="ko-KR" altLang="en-US" dirty="0" smtClean="0"/>
+              <a:t>대신 넘겨 주어 </a:t>
             </a:r>
             <a:endParaRPr lang="en-US" altLang="ko-KR" dirty="0" smtClean="0"/>
           </a:p>
@@ -4777,6 +6254,262 @@
               <a:t> 넘긴다는 방식</a:t>
             </a:r>
             <a:endParaRPr lang="en-US" altLang="ko-KR" dirty="0" smtClean="0"/>
+          </a:p>
+        </p:txBody>
+      </p:sp>
+      <p:sp>
+        <p:nvSpPr>
+          <p:cNvPr id="7" name="Google Shape;113;p16"/>
+          <p:cNvSpPr/>
+          <p:nvPr/>
+        </p:nvSpPr>
+        <p:spPr>
+          <a:xfrm>
+            <a:off x="136175" y="174812"/>
+            <a:ext cx="11806517" cy="6535270"/>
+          </a:xfrm>
+          <a:prstGeom prst="rect">
+            <a:avLst/>
+          </a:prstGeom>
+          <a:noFill/>
+          <a:ln w="12700" cap="flat" cmpd="sng">
+            <a:solidFill>
+              <a:schemeClr val="accent4"/>
+            </a:solidFill>
+            <a:prstDash val="solid"/>
+            <a:miter lim="8000"/>
+            <a:headEnd type="none" w="sm" len="sm"/>
+            <a:tailEnd type="none" w="sm" len="sm"/>
+          </a:ln>
+        </p:spPr>
+        <p:txBody>
+          <a:bodyPr spcFirstLastPara="1" wrap="square" lIns="91425" tIns="45700" rIns="91425" bIns="45700" anchor="ctr" anchorCtr="0">
+            <a:noAutofit/>
+          </a:bodyPr>
+          <a:lstStyle/>
+          <a:p>
+            <a:pPr marL="0" marR="0" lvl="0" indent="0" algn="ctr" rtl="0">
+              <a:spcBef>
+                <a:spcPts val="0"/>
+              </a:spcBef>
+              <a:spcAft>
+                <a:spcPts val="0"/>
+              </a:spcAft>
+              <a:buNone/>
+            </a:pPr>
+            <a:endParaRPr sz="1800">
+              <a:solidFill>
+                <a:schemeClr val="accent4"/>
+              </a:solidFill>
+              <a:latin typeface="Arial"/>
+              <a:ea typeface="Arial"/>
+              <a:cs typeface="Arial"/>
+              <a:sym typeface="Arial"/>
+            </a:endParaRPr>
+          </a:p>
+        </p:txBody>
+      </p:sp>
+      <p:sp>
+        <p:nvSpPr>
+          <p:cNvPr id="8" name="Google Shape;105;p15"/>
+          <p:cNvSpPr/>
+          <p:nvPr/>
+        </p:nvSpPr>
+        <p:spPr>
+          <a:xfrm>
+            <a:off x="602864" y="875890"/>
+            <a:ext cx="640080" cy="640080"/>
+          </a:xfrm>
+          <a:prstGeom prst="roundRect">
+            <a:avLst>
+              <a:gd name="adj" fmla="val 29384"/>
+            </a:avLst>
+          </a:prstGeom>
+          <a:solidFill>
+            <a:srgbClr val="FEB834"/>
+          </a:solidFill>
+          <a:ln w="12700" cap="flat" cmpd="sng">
+            <a:solidFill>
+              <a:srgbClr val="FEB834"/>
+            </a:solidFill>
+            <a:prstDash val="solid"/>
+            <a:miter lim="8000"/>
+            <a:headEnd type="none" w="sm" len="sm"/>
+            <a:tailEnd type="none" w="sm" len="sm"/>
+          </a:ln>
+        </p:spPr>
+        <p:txBody>
+          <a:bodyPr spcFirstLastPara="1" wrap="square" lIns="0" tIns="45700" rIns="0" bIns="45700" anchor="ctr" anchorCtr="0">
+            <a:noAutofit/>
+          </a:bodyPr>
+          <a:lstStyle/>
+          <a:p>
+            <a:pPr marL="0" marR="0" lvl="0" indent="0" algn="ctr" rtl="0">
+              <a:spcBef>
+                <a:spcPts val="0"/>
+              </a:spcBef>
+              <a:spcAft>
+                <a:spcPts val="0"/>
+              </a:spcAft>
+              <a:buNone/>
+            </a:pPr>
+            <a:r>
+              <a:rPr lang="ko-KR" sz="2800" b="1">
+                <a:solidFill>
+                  <a:schemeClr val="lt1"/>
+                </a:solidFill>
+                <a:latin typeface="Arial"/>
+                <a:ea typeface="Arial"/>
+                <a:cs typeface="Arial"/>
+                <a:sym typeface="Arial"/>
+              </a:rPr>
+              <a:t>2</a:t>
+            </a:r>
+            <a:endParaRPr/>
+          </a:p>
+        </p:txBody>
+      </p:sp>
+      <p:sp>
+        <p:nvSpPr>
+          <p:cNvPr id="9" name="Google Shape;136;p17"/>
+          <p:cNvSpPr/>
+          <p:nvPr/>
+        </p:nvSpPr>
+        <p:spPr>
+          <a:xfrm>
+            <a:off x="1250282" y="1947904"/>
+            <a:ext cx="198032" cy="198031"/>
+          </a:xfrm>
+          <a:prstGeom prst="ellipse">
+            <a:avLst/>
+          </a:prstGeom>
+          <a:solidFill>
+            <a:schemeClr val="accent4"/>
+          </a:solidFill>
+          <a:ln>
+            <a:noFill/>
+          </a:ln>
+        </p:spPr>
+        <p:txBody>
+          <a:bodyPr spcFirstLastPara="1" wrap="square" lIns="91425" tIns="45700" rIns="91425" bIns="45700" anchor="ctr" anchorCtr="0">
+            <a:noAutofit/>
+          </a:bodyPr>
+          <a:lstStyle/>
+          <a:p>
+            <a:pPr marL="0" marR="0" lvl="0" indent="0" algn="ctr" rtl="0">
+              <a:spcBef>
+                <a:spcPts val="0"/>
+              </a:spcBef>
+              <a:spcAft>
+                <a:spcPts val="0"/>
+              </a:spcAft>
+              <a:buNone/>
+            </a:pPr>
+            <a:endParaRPr sz="1800">
+              <a:solidFill>
+                <a:schemeClr val="lt1"/>
+              </a:solidFill>
+              <a:latin typeface="Arial"/>
+              <a:ea typeface="Arial"/>
+              <a:cs typeface="Arial"/>
+              <a:sym typeface="Arial"/>
+            </a:endParaRPr>
+          </a:p>
+        </p:txBody>
+      </p:sp>
+      <p:sp>
+        <p:nvSpPr>
+          <p:cNvPr id="10" name="Google Shape;136;p17"/>
+          <p:cNvSpPr/>
+          <p:nvPr/>
+        </p:nvSpPr>
+        <p:spPr>
+          <a:xfrm>
+            <a:off x="1250282" y="2667076"/>
+            <a:ext cx="198032" cy="198031"/>
+          </a:xfrm>
+          <a:prstGeom prst="ellipse">
+            <a:avLst/>
+          </a:prstGeom>
+          <a:solidFill>
+            <a:schemeClr val="accent4"/>
+          </a:solidFill>
+          <a:ln>
+            <a:noFill/>
+          </a:ln>
+        </p:spPr>
+        <p:txBody>
+          <a:bodyPr spcFirstLastPara="1" wrap="square" lIns="91425" tIns="45700" rIns="91425" bIns="45700" anchor="ctr" anchorCtr="0">
+            <a:noAutofit/>
+          </a:bodyPr>
+          <a:lstStyle/>
+          <a:p>
+            <a:pPr marL="0" marR="0" lvl="0" indent="0" algn="ctr" rtl="0">
+              <a:spcBef>
+                <a:spcPts val="0"/>
+              </a:spcBef>
+              <a:spcAft>
+                <a:spcPts val="0"/>
+              </a:spcAft>
+              <a:buNone/>
+            </a:pPr>
+            <a:endParaRPr sz="1800">
+              <a:solidFill>
+                <a:schemeClr val="lt1"/>
+              </a:solidFill>
+              <a:latin typeface="Arial"/>
+              <a:ea typeface="Arial"/>
+              <a:cs typeface="Arial"/>
+              <a:sym typeface="Arial"/>
+            </a:endParaRPr>
+          </a:p>
+        </p:txBody>
+      </p:sp>
+      <p:sp>
+        <p:nvSpPr>
+          <p:cNvPr id="11" name="Google Shape;136;p17"/>
+          <p:cNvSpPr/>
+          <p:nvPr/>
+        </p:nvSpPr>
+        <p:spPr>
+          <a:xfrm>
+            <a:off x="1259254" y="3591443"/>
+            <a:ext cx="198032" cy="198031"/>
+          </a:xfrm>
+          <a:prstGeom prst="ellipse">
+            <a:avLst/>
+          </a:prstGeom>
+          <a:solidFill>
+            <a:schemeClr val="accent4"/>
+          </a:solidFill>
+          <a:ln>
+            <a:noFill/>
+          </a:ln>
+        </p:spPr>
+        <p:txBody>
+          <a:bodyPr spcFirstLastPara="1" wrap="square" lIns="91425" tIns="45700" rIns="91425" bIns="45700" anchor="ctr" anchorCtr="0">
+            <a:noAutofit/>
+          </a:bodyPr>
+          <a:lstStyle/>
+          <a:p>
+            <a:pPr marL="0" marR="0" lvl="0" indent="0" algn="ctr" rtl="0">
+              <a:spcBef>
+                <a:spcPts val="0"/>
+              </a:spcBef>
+              <a:spcAft>
+                <a:spcPts val="0"/>
+              </a:spcAft>
+              <a:buNone/>
+            </a:pPr>
+            <a:endParaRPr sz="1800">
+              <a:solidFill>
+                <a:schemeClr val="lt1"/>
+              </a:solidFill>
+              <a:latin typeface="Arial"/>
+              <a:ea typeface="Arial"/>
+              <a:cs typeface="Arial"/>
+              <a:sym typeface="Arial"/>
+            </a:endParaRPr>
           </a:p>
         </p:txBody>
       </p:sp>
@@ -4790,6 +6523,162 @@
   <p:clrMapOvr>
     <a:masterClrMapping/>
   </p:clrMapOvr>
+  <p:timing>
+    <p:tnLst>
+      <p:par>
+        <p:cTn id="1" dur="indefinite" restart="never" nodeType="tmRoot">
+          <p:childTnLst>
+            <p:seq concurrent="1" nextAc="seek">
+              <p:cTn id="2" dur="indefinite" nodeType="mainSeq">
+                <p:childTnLst>
+                  <p:par>
+                    <p:cTn id="3" fill="hold">
+                      <p:stCondLst>
+                        <p:cond delay="indefinite"/>
+                        <p:cond evt="onBegin" delay="0">
+                          <p:tn val="2"/>
+                        </p:cond>
+                      </p:stCondLst>
+                      <p:childTnLst>
+                        <p:par>
+                          <p:cTn id="4" fill="hold">
+                            <p:stCondLst>
+                              <p:cond delay="0"/>
+                            </p:stCondLst>
+                            <p:childTnLst>
+                              <p:par>
+                                <p:cTn id="5" presetID="10" presetClass="entr" presetSubtype="0" fill="hold" nodeType="withEffect">
+                                  <p:stCondLst>
+                                    <p:cond delay="0"/>
+                                  </p:stCondLst>
+                                  <p:childTnLst>
+                                    <p:set>
+                                      <p:cBhvr>
+                                        <p:cTn id="6" dur="1" fill="hold">
+                                          <p:stCondLst>
+                                            <p:cond delay="0"/>
+                                          </p:stCondLst>
+                                        </p:cTn>
+                                        <p:tgtEl>
+                                          <p:spTgt spid="9"/>
+                                        </p:tgtEl>
+                                        <p:attrNameLst>
+                                          <p:attrName>style.visibility</p:attrName>
+                                        </p:attrNameLst>
+                                      </p:cBhvr>
+                                      <p:to>
+                                        <p:strVal val="visible"/>
+                                      </p:to>
+                                    </p:set>
+                                    <p:animEffect transition="in" filter="fade">
+                                      <p:cBhvr>
+                                        <p:cTn id="7" dur="1000"/>
+                                        <p:tgtEl>
+                                          <p:spTgt spid="9"/>
+                                        </p:tgtEl>
+                                      </p:cBhvr>
+                                    </p:animEffect>
+                                  </p:childTnLst>
+                                </p:cTn>
+                              </p:par>
+                              <p:par>
+                                <p:cTn id="8" presetID="10" presetClass="entr" presetSubtype="0" fill="hold" nodeType="withEffect">
+                                  <p:stCondLst>
+                                    <p:cond delay="0"/>
+                                  </p:stCondLst>
+                                  <p:childTnLst>
+                                    <p:set>
+                                      <p:cBhvr>
+                                        <p:cTn id="9" dur="1" fill="hold">
+                                          <p:stCondLst>
+                                            <p:cond delay="0"/>
+                                          </p:stCondLst>
+                                        </p:cTn>
+                                        <p:tgtEl>
+                                          <p:spTgt spid="10"/>
+                                        </p:tgtEl>
+                                        <p:attrNameLst>
+                                          <p:attrName>style.visibility</p:attrName>
+                                        </p:attrNameLst>
+                                      </p:cBhvr>
+                                      <p:to>
+                                        <p:strVal val="visible"/>
+                                      </p:to>
+                                    </p:set>
+                                    <p:animEffect transition="in" filter="fade">
+                                      <p:cBhvr>
+                                        <p:cTn id="10" dur="1000"/>
+                                        <p:tgtEl>
+                                          <p:spTgt spid="10"/>
+                                        </p:tgtEl>
+                                      </p:cBhvr>
+                                    </p:animEffect>
+                                  </p:childTnLst>
+                                </p:cTn>
+                              </p:par>
+                              <p:par>
+                                <p:cTn id="11" presetID="10" presetClass="entr" presetSubtype="0" fill="hold" nodeType="withEffect">
+                                  <p:stCondLst>
+                                    <p:cond delay="0"/>
+                                  </p:stCondLst>
+                                  <p:childTnLst>
+                                    <p:set>
+                                      <p:cBhvr>
+                                        <p:cTn id="12" dur="1" fill="hold">
+                                          <p:stCondLst>
+                                            <p:cond delay="0"/>
+                                          </p:stCondLst>
+                                        </p:cTn>
+                                        <p:tgtEl>
+                                          <p:spTgt spid="11"/>
+                                        </p:tgtEl>
+                                        <p:attrNameLst>
+                                          <p:attrName>style.visibility</p:attrName>
+                                        </p:attrNameLst>
+                                      </p:cBhvr>
+                                      <p:to>
+                                        <p:strVal val="visible"/>
+                                      </p:to>
+                                    </p:set>
+                                    <p:animEffect transition="in" filter="fade">
+                                      <p:cBhvr>
+                                        <p:cTn id="13" dur="1000"/>
+                                        <p:tgtEl>
+                                          <p:spTgt spid="11"/>
+                                        </p:tgtEl>
+                                      </p:cBhvr>
+                                    </p:animEffect>
+                                  </p:childTnLst>
+                                </p:cTn>
+                              </p:par>
+                            </p:childTnLst>
+                          </p:cTn>
+                        </p:par>
+                      </p:childTnLst>
+                    </p:cTn>
+                  </p:par>
+                </p:childTnLst>
+              </p:cTn>
+              <p:prevCondLst>
+                <p:cond evt="onPrev" delay="0">
+                  <p:tgtEl>
+                    <p:sldTgt/>
+                  </p:tgtEl>
+                </p:cond>
+              </p:prevCondLst>
+              <p:nextCondLst>
+                <p:cond evt="onNext" delay="0">
+                  <p:tgtEl>
+                    <p:sldTgt/>
+                  </p:tgtEl>
+                </p:cond>
+              </p:nextCondLst>
+            </p:seq>
+          </p:childTnLst>
+        </p:cTn>
+      </p:par>
+    </p:tnLst>
+  </p:timing>
 </p:sld>
 </file>
 
@@ -4818,7 +6707,7 @@
         </p:nvSpPr>
         <p:spPr>
           <a:xfrm>
-            <a:off x="791737" y="1003610"/>
+            <a:off x="922904" y="968683"/>
             <a:ext cx="5542156" cy="461665"/>
           </a:xfrm>
           <a:prstGeom prst="rect">
@@ -4833,12 +6722,20 @@
           <a:lstStyle/>
           <a:p>
             <a:r>
+              <a:rPr lang="en-US" altLang="ko-KR" sz="2400" b="1" dirty="0"/>
+              <a:t> </a:t>
+            </a:r>
+            <a:r>
               <a:rPr lang="en-US" altLang="ko-KR" sz="2400" b="1" dirty="0" smtClean="0"/>
-              <a:t>2. </a:t>
+              <a:t>   </a:t>
             </a:r>
             <a:r>
               <a:rPr lang="ko-KR" altLang="en-US" sz="2400" b="1" dirty="0" smtClean="0"/>
-              <a:t>대리자는 왜</a:t>
+              <a:t>대리자는 </a:t>
+            </a:r>
+            <a:r>
+              <a:rPr lang="ko-KR" altLang="en-US" sz="2400" b="1" dirty="0" smtClean="0"/>
+              <a:t>왜</a:t>
             </a:r>
             <a:r>
               <a:rPr lang="en-US" altLang="ko-KR" sz="2400" b="1" dirty="0" smtClean="0"/>
@@ -5126,6 +7023,118 @@
                 <a:srgbClr val="FF0000"/>
               </a:solidFill>
             </a:endParaRPr>
+          </a:p>
+        </p:txBody>
+      </p:sp>
+      <p:sp>
+        <p:nvSpPr>
+          <p:cNvPr id="13" name="Google Shape;113;p16"/>
+          <p:cNvSpPr/>
+          <p:nvPr/>
+        </p:nvSpPr>
+        <p:spPr>
+          <a:xfrm>
+            <a:off x="136175" y="174812"/>
+            <a:ext cx="11806517" cy="6535270"/>
+          </a:xfrm>
+          <a:prstGeom prst="rect">
+            <a:avLst/>
+          </a:prstGeom>
+          <a:noFill/>
+          <a:ln w="12700" cap="flat" cmpd="sng">
+            <a:solidFill>
+              <a:schemeClr val="accent4"/>
+            </a:solidFill>
+            <a:prstDash val="solid"/>
+            <a:miter lim="8000"/>
+            <a:headEnd type="none" w="sm" len="sm"/>
+            <a:tailEnd type="none" w="sm" len="sm"/>
+          </a:ln>
+        </p:spPr>
+        <p:txBody>
+          <a:bodyPr spcFirstLastPara="1" wrap="square" lIns="91425" tIns="45700" rIns="91425" bIns="45700" anchor="ctr" anchorCtr="0">
+            <a:noAutofit/>
+          </a:bodyPr>
+          <a:lstStyle/>
+          <a:p>
+            <a:pPr marL="0" marR="0" lvl="0" indent="0" algn="ctr" rtl="0">
+              <a:spcBef>
+                <a:spcPts val="0"/>
+              </a:spcBef>
+              <a:spcAft>
+                <a:spcPts val="0"/>
+              </a:spcAft>
+              <a:buNone/>
+            </a:pPr>
+            <a:endParaRPr sz="1800">
+              <a:solidFill>
+                <a:schemeClr val="accent4"/>
+              </a:solidFill>
+              <a:latin typeface="Arial"/>
+              <a:ea typeface="Arial"/>
+              <a:cs typeface="Arial"/>
+              <a:sym typeface="Arial"/>
+            </a:endParaRPr>
+          </a:p>
+        </p:txBody>
+      </p:sp>
+      <p:sp>
+        <p:nvSpPr>
+          <p:cNvPr id="14" name="Google Shape;105;p15"/>
+          <p:cNvSpPr/>
+          <p:nvPr/>
+        </p:nvSpPr>
+        <p:spPr>
+          <a:xfrm>
+            <a:off x="602864" y="875890"/>
+            <a:ext cx="640080" cy="640080"/>
+          </a:xfrm>
+          <a:prstGeom prst="roundRect">
+            <a:avLst>
+              <a:gd name="adj" fmla="val 29384"/>
+            </a:avLst>
+          </a:prstGeom>
+          <a:solidFill>
+            <a:srgbClr val="FEB834"/>
+          </a:solidFill>
+          <a:ln w="12700" cap="flat" cmpd="sng">
+            <a:solidFill>
+              <a:srgbClr val="FEB834"/>
+            </a:solidFill>
+            <a:prstDash val="solid"/>
+            <a:miter lim="8000"/>
+            <a:headEnd type="none" w="sm" len="sm"/>
+            <a:tailEnd type="none" w="sm" len="sm"/>
+          </a:ln>
+        </p:spPr>
+        <p:txBody>
+          <a:bodyPr spcFirstLastPara="1" wrap="square" lIns="0" tIns="45700" rIns="0" bIns="45700" anchor="ctr" anchorCtr="0">
+            <a:noAutofit/>
+          </a:bodyPr>
+          <a:lstStyle/>
+          <a:p>
+            <a:pPr marL="0" marR="0" lvl="0" indent="0" algn="ctr" rtl="0">
+              <a:spcBef>
+                <a:spcPts val="0"/>
+              </a:spcBef>
+              <a:spcAft>
+                <a:spcPts val="0"/>
+              </a:spcAft>
+              <a:buNone/>
+            </a:pPr>
+            <a:r>
+              <a:rPr lang="ko-KR" sz="2800" b="1" dirty="0">
+                <a:solidFill>
+                  <a:schemeClr val="lt1"/>
+                </a:solidFill>
+                <a:latin typeface="Arial"/>
+                <a:ea typeface="Arial"/>
+                <a:cs typeface="Arial"/>
+                <a:sym typeface="Arial"/>
+              </a:rPr>
+              <a:t>2</a:t>
+            </a:r>
+            <a:endParaRPr dirty="0"/>
           </a:p>
         </p:txBody>
       </p:sp>
@@ -5167,7 +7176,7 @@
         </p:nvSpPr>
         <p:spPr>
           <a:xfrm>
-            <a:off x="791736" y="1003610"/>
+            <a:off x="1111776" y="992832"/>
             <a:ext cx="7582829" cy="830997"/>
           </a:xfrm>
           <a:prstGeom prst="rect">
@@ -5182,12 +7191,12 @@
           <a:lstStyle/>
           <a:p>
             <a:r>
-              <a:rPr lang="en-US" altLang="ko-KR" sz="2400" b="1" dirty="0" smtClean="0"/>
-              <a:t>3. </a:t>
-            </a:r>
-            <a:r>
               <a:rPr lang="ko-KR" altLang="en-US" sz="2400" b="1" dirty="0" smtClean="0"/>
-              <a:t>대리자의 사용법 </a:t>
+              <a:t>  대리자의 </a:t>
+            </a:r>
+            <a:r>
+              <a:rPr lang="ko-KR" altLang="en-US" sz="2400" b="1" dirty="0" smtClean="0"/>
+              <a:t>사용법 </a:t>
             </a:r>
             <a:r>
               <a:rPr lang="en-US" altLang="ko-KR" sz="2400" b="1" dirty="0" smtClean="0"/>
@@ -5506,6 +7515,279 @@
               <a:t>깔끔한 코드를 위해서</a:t>
             </a:r>
             <a:endParaRPr lang="en-US" altLang="ko-KR" dirty="0" smtClean="0"/>
+          </a:p>
+        </p:txBody>
+      </p:sp>
+      <p:sp>
+        <p:nvSpPr>
+          <p:cNvPr id="7" name="Google Shape;107;p15"/>
+          <p:cNvSpPr/>
+          <p:nvPr/>
+        </p:nvSpPr>
+        <p:spPr>
+          <a:xfrm>
+            <a:off x="546409" y="882922"/>
+            <a:ext cx="640080" cy="640080"/>
+          </a:xfrm>
+          <a:prstGeom prst="roundRect">
+            <a:avLst>
+              <a:gd name="adj" fmla="val 29384"/>
+            </a:avLst>
+          </a:prstGeom>
+          <a:solidFill>
+            <a:schemeClr val="accent5">
+              <a:lumMod val="60000"/>
+              <a:lumOff val="40000"/>
+            </a:schemeClr>
+          </a:solidFill>
+          <a:ln>
+            <a:noFill/>
+          </a:ln>
+        </p:spPr>
+        <p:txBody>
+          <a:bodyPr spcFirstLastPara="1" wrap="square" lIns="0" tIns="45700" rIns="0" bIns="45700" anchor="ctr" anchorCtr="0">
+            <a:noAutofit/>
+          </a:bodyPr>
+          <a:lstStyle/>
+          <a:p>
+            <a:pPr marL="0" marR="0" lvl="0" indent="0" algn="ctr" rtl="0">
+              <a:spcBef>
+                <a:spcPts val="0"/>
+              </a:spcBef>
+              <a:spcAft>
+                <a:spcPts val="0"/>
+              </a:spcAft>
+              <a:buNone/>
+            </a:pPr>
+            <a:r>
+              <a:rPr lang="ko-KR" sz="2800" b="1" dirty="0">
+                <a:solidFill>
+                  <a:schemeClr val="lt1"/>
+                </a:solidFill>
+                <a:latin typeface="Arial"/>
+                <a:ea typeface="Arial"/>
+                <a:cs typeface="Arial"/>
+                <a:sym typeface="Arial"/>
+              </a:rPr>
+              <a:t>3</a:t>
+            </a:r>
+            <a:endParaRPr sz="2800" b="1" dirty="0">
+              <a:solidFill>
+                <a:schemeClr val="lt1"/>
+              </a:solidFill>
+              <a:latin typeface="Arial"/>
+              <a:ea typeface="Arial"/>
+              <a:cs typeface="Arial"/>
+              <a:sym typeface="Arial"/>
+            </a:endParaRPr>
+          </a:p>
+        </p:txBody>
+      </p:sp>
+      <p:sp>
+        <p:nvSpPr>
+          <p:cNvPr id="8" name="Google Shape;113;p16"/>
+          <p:cNvSpPr/>
+          <p:nvPr/>
+        </p:nvSpPr>
+        <p:spPr>
+          <a:xfrm>
+            <a:off x="136175" y="174812"/>
+            <a:ext cx="11806517" cy="6535270"/>
+          </a:xfrm>
+          <a:prstGeom prst="rect">
+            <a:avLst/>
+          </a:prstGeom>
+          <a:noFill/>
+          <a:ln w="12700" cap="flat" cmpd="sng">
+            <a:solidFill>
+              <a:schemeClr val="accent5">
+                <a:lumMod val="60000"/>
+                <a:lumOff val="40000"/>
+              </a:schemeClr>
+            </a:solidFill>
+            <a:prstDash val="solid"/>
+            <a:miter lim="8000"/>
+            <a:headEnd type="none" w="sm" len="sm"/>
+            <a:tailEnd type="none" w="sm" len="sm"/>
+          </a:ln>
+        </p:spPr>
+        <p:txBody>
+          <a:bodyPr spcFirstLastPara="1" wrap="square" lIns="91425" tIns="45700" rIns="91425" bIns="45700" anchor="ctr" anchorCtr="0">
+            <a:noAutofit/>
+          </a:bodyPr>
+          <a:lstStyle/>
+          <a:p>
+            <a:pPr marL="0" marR="0" lvl="0" indent="0" algn="ctr" rtl="0">
+              <a:spcBef>
+                <a:spcPts val="0"/>
+              </a:spcBef>
+              <a:spcAft>
+                <a:spcPts val="0"/>
+              </a:spcAft>
+              <a:buNone/>
+            </a:pPr>
+            <a:endParaRPr sz="1800">
+              <a:solidFill>
+                <a:schemeClr val="accent4"/>
+              </a:solidFill>
+              <a:latin typeface="Arial"/>
+              <a:ea typeface="Arial"/>
+              <a:cs typeface="Arial"/>
+              <a:sym typeface="Arial"/>
+            </a:endParaRPr>
+          </a:p>
+        </p:txBody>
+      </p:sp>
+      <p:sp>
+        <p:nvSpPr>
+          <p:cNvPr id="9" name="Google Shape;136;p17"/>
+          <p:cNvSpPr/>
+          <p:nvPr/>
+        </p:nvSpPr>
+        <p:spPr>
+          <a:xfrm>
+            <a:off x="1296231" y="1947905"/>
+            <a:ext cx="198032" cy="198031"/>
+          </a:xfrm>
+          <a:prstGeom prst="ellipse">
+            <a:avLst/>
+          </a:prstGeom>
+          <a:solidFill>
+            <a:schemeClr val="accent5">
+              <a:lumMod val="60000"/>
+              <a:lumOff val="40000"/>
+            </a:schemeClr>
+          </a:solidFill>
+          <a:ln>
+            <a:noFill/>
+          </a:ln>
+        </p:spPr>
+        <p:txBody>
+          <a:bodyPr spcFirstLastPara="1" wrap="square" lIns="91425" tIns="45700" rIns="91425" bIns="45700" anchor="ctr" anchorCtr="0">
+            <a:noAutofit/>
+          </a:bodyPr>
+          <a:lstStyle/>
+          <a:p>
+            <a:pPr marL="0" marR="0" lvl="0" indent="0" algn="ctr" rtl="0">
+              <a:spcBef>
+                <a:spcPts val="0"/>
+              </a:spcBef>
+              <a:spcAft>
+                <a:spcPts val="0"/>
+              </a:spcAft>
+              <a:buNone/>
+            </a:pPr>
+            <a:endParaRPr sz="1800">
+              <a:solidFill>
+                <a:schemeClr val="lt1"/>
+              </a:solidFill>
+              <a:latin typeface="Arial"/>
+              <a:ea typeface="Arial"/>
+              <a:cs typeface="Arial"/>
+              <a:sym typeface="Arial"/>
+            </a:endParaRPr>
+          </a:p>
+        </p:txBody>
+      </p:sp>
+      <p:sp>
+        <p:nvSpPr>
+          <p:cNvPr id="10" name="Google Shape;136;p17"/>
+          <p:cNvSpPr/>
+          <p:nvPr/>
+        </p:nvSpPr>
+        <p:spPr>
+          <a:xfrm>
+            <a:off x="1296231" y="3061104"/>
+            <a:ext cx="198032" cy="198031"/>
+          </a:xfrm>
+          <a:prstGeom prst="ellipse">
+            <a:avLst/>
+          </a:prstGeom>
+          <a:solidFill>
+            <a:schemeClr val="accent5">
+              <a:lumMod val="60000"/>
+              <a:lumOff val="40000"/>
+            </a:schemeClr>
+          </a:solidFill>
+          <a:ln>
+            <a:noFill/>
+          </a:ln>
+        </p:spPr>
+        <p:txBody>
+          <a:bodyPr spcFirstLastPara="1" wrap="square" lIns="91425" tIns="45700" rIns="91425" bIns="45700" anchor="ctr" anchorCtr="0">
+            <a:noAutofit/>
+          </a:bodyPr>
+          <a:lstStyle/>
+          <a:p>
+            <a:pPr marL="0" marR="0" lvl="0" indent="0" algn="ctr" rtl="0">
+              <a:spcBef>
+                <a:spcPts val="0"/>
+              </a:spcBef>
+              <a:spcAft>
+                <a:spcPts val="0"/>
+              </a:spcAft>
+              <a:buNone/>
+            </a:pPr>
+            <a:endParaRPr sz="1800">
+              <a:solidFill>
+                <a:schemeClr val="lt1"/>
+              </a:solidFill>
+              <a:latin typeface="Arial"/>
+              <a:ea typeface="Arial"/>
+              <a:cs typeface="Arial"/>
+              <a:sym typeface="Arial"/>
+            </a:endParaRPr>
+          </a:p>
+        </p:txBody>
+      </p:sp>
+      <p:sp>
+        <p:nvSpPr>
+          <p:cNvPr id="11" name="Google Shape;136;p17"/>
+          <p:cNvSpPr/>
+          <p:nvPr/>
+        </p:nvSpPr>
+        <p:spPr>
+          <a:xfrm>
+            <a:off x="1328339" y="4441494"/>
+            <a:ext cx="198032" cy="198031"/>
+          </a:xfrm>
+          <a:prstGeom prst="ellipse">
+            <a:avLst/>
+          </a:prstGeom>
+          <a:solidFill>
+            <a:schemeClr val="accent5">
+              <a:lumMod val="60000"/>
+              <a:lumOff val="40000"/>
+            </a:schemeClr>
+          </a:solidFill>
+          <a:ln>
+            <a:noFill/>
+          </a:ln>
+        </p:spPr>
+        <p:txBody>
+          <a:bodyPr spcFirstLastPara="1" wrap="square" lIns="91425" tIns="45700" rIns="91425" bIns="45700" anchor="ctr" anchorCtr="0">
+            <a:noAutofit/>
+          </a:bodyPr>
+          <a:lstStyle/>
+          <a:p>
+            <a:pPr marL="0" marR="0" lvl="0" indent="0" algn="ctr" rtl="0">
+              <a:spcBef>
+                <a:spcPts val="0"/>
+              </a:spcBef>
+              <a:spcAft>
+                <a:spcPts val="0"/>
+              </a:spcAft>
+              <a:buNone/>
+            </a:pPr>
+            <a:endParaRPr sz="1800">
+              <a:solidFill>
+                <a:schemeClr val="lt1"/>
+              </a:solidFill>
+              <a:latin typeface="Arial"/>
+              <a:ea typeface="Arial"/>
+              <a:cs typeface="Arial"/>
+              <a:sym typeface="Arial"/>
+            </a:endParaRPr>
           </a:p>
         </p:txBody>
       </p:sp>
@@ -5519,6 +7801,162 @@
   <p:clrMapOvr>
     <a:masterClrMapping/>
   </p:clrMapOvr>
+  <p:timing>
+    <p:tnLst>
+      <p:par>
+        <p:cTn id="1" dur="indefinite" restart="never" nodeType="tmRoot">
+          <p:childTnLst>
+            <p:seq concurrent="1" nextAc="seek">
+              <p:cTn id="2" dur="indefinite" nodeType="mainSeq">
+                <p:childTnLst>
+                  <p:par>
+                    <p:cTn id="3" fill="hold">
+                      <p:stCondLst>
+                        <p:cond delay="indefinite"/>
+                        <p:cond evt="onBegin" delay="0">
+                          <p:tn val="2"/>
+                        </p:cond>
+                      </p:stCondLst>
+                      <p:childTnLst>
+                        <p:par>
+                          <p:cTn id="4" fill="hold">
+                            <p:stCondLst>
+                              <p:cond delay="0"/>
+                            </p:stCondLst>
+                            <p:childTnLst>
+                              <p:par>
+                                <p:cTn id="5" presetID="10" presetClass="entr" presetSubtype="0" fill="hold" nodeType="withEffect">
+                                  <p:stCondLst>
+                                    <p:cond delay="0"/>
+                                  </p:stCondLst>
+                                  <p:childTnLst>
+                                    <p:set>
+                                      <p:cBhvr>
+                                        <p:cTn id="6" dur="1" fill="hold">
+                                          <p:stCondLst>
+                                            <p:cond delay="0"/>
+                                          </p:stCondLst>
+                                        </p:cTn>
+                                        <p:tgtEl>
+                                          <p:spTgt spid="9"/>
+                                        </p:tgtEl>
+                                        <p:attrNameLst>
+                                          <p:attrName>style.visibility</p:attrName>
+                                        </p:attrNameLst>
+                                      </p:cBhvr>
+                                      <p:to>
+                                        <p:strVal val="visible"/>
+                                      </p:to>
+                                    </p:set>
+                                    <p:animEffect transition="in" filter="fade">
+                                      <p:cBhvr>
+                                        <p:cTn id="7" dur="1000"/>
+                                        <p:tgtEl>
+                                          <p:spTgt spid="9"/>
+                                        </p:tgtEl>
+                                      </p:cBhvr>
+                                    </p:animEffect>
+                                  </p:childTnLst>
+                                </p:cTn>
+                              </p:par>
+                              <p:par>
+                                <p:cTn id="8" presetID="10" presetClass="entr" presetSubtype="0" fill="hold" nodeType="withEffect">
+                                  <p:stCondLst>
+                                    <p:cond delay="0"/>
+                                  </p:stCondLst>
+                                  <p:childTnLst>
+                                    <p:set>
+                                      <p:cBhvr>
+                                        <p:cTn id="9" dur="1" fill="hold">
+                                          <p:stCondLst>
+                                            <p:cond delay="0"/>
+                                          </p:stCondLst>
+                                        </p:cTn>
+                                        <p:tgtEl>
+                                          <p:spTgt spid="10"/>
+                                        </p:tgtEl>
+                                        <p:attrNameLst>
+                                          <p:attrName>style.visibility</p:attrName>
+                                        </p:attrNameLst>
+                                      </p:cBhvr>
+                                      <p:to>
+                                        <p:strVal val="visible"/>
+                                      </p:to>
+                                    </p:set>
+                                    <p:animEffect transition="in" filter="fade">
+                                      <p:cBhvr>
+                                        <p:cTn id="10" dur="1000"/>
+                                        <p:tgtEl>
+                                          <p:spTgt spid="10"/>
+                                        </p:tgtEl>
+                                      </p:cBhvr>
+                                    </p:animEffect>
+                                  </p:childTnLst>
+                                </p:cTn>
+                              </p:par>
+                              <p:par>
+                                <p:cTn id="11" presetID="10" presetClass="entr" presetSubtype="0" fill="hold" nodeType="withEffect">
+                                  <p:stCondLst>
+                                    <p:cond delay="0"/>
+                                  </p:stCondLst>
+                                  <p:childTnLst>
+                                    <p:set>
+                                      <p:cBhvr>
+                                        <p:cTn id="12" dur="1" fill="hold">
+                                          <p:stCondLst>
+                                            <p:cond delay="0"/>
+                                          </p:stCondLst>
+                                        </p:cTn>
+                                        <p:tgtEl>
+                                          <p:spTgt spid="11"/>
+                                        </p:tgtEl>
+                                        <p:attrNameLst>
+                                          <p:attrName>style.visibility</p:attrName>
+                                        </p:attrNameLst>
+                                      </p:cBhvr>
+                                      <p:to>
+                                        <p:strVal val="visible"/>
+                                      </p:to>
+                                    </p:set>
+                                    <p:animEffect transition="in" filter="fade">
+                                      <p:cBhvr>
+                                        <p:cTn id="13" dur="1000"/>
+                                        <p:tgtEl>
+                                          <p:spTgt spid="11"/>
+                                        </p:tgtEl>
+                                      </p:cBhvr>
+                                    </p:animEffect>
+                                  </p:childTnLst>
+                                </p:cTn>
+                              </p:par>
+                            </p:childTnLst>
+                          </p:cTn>
+                        </p:par>
+                      </p:childTnLst>
+                    </p:cTn>
+                  </p:par>
+                </p:childTnLst>
+              </p:cTn>
+              <p:prevCondLst>
+                <p:cond evt="onPrev" delay="0">
+                  <p:tgtEl>
+                    <p:sldTgt/>
+                  </p:tgtEl>
+                </p:cond>
+              </p:prevCondLst>
+              <p:nextCondLst>
+                <p:cond evt="onNext" delay="0">
+                  <p:tgtEl>
+                    <p:sldTgt/>
+                  </p:tgtEl>
+                </p:cond>
+              </p:nextCondLst>
+            </p:seq>
+          </p:childTnLst>
+        </p:cTn>
+      </p:par>
+    </p:tnLst>
+  </p:timing>
 </p:sld>
 </file>
 
@@ -5547,7 +7985,7 @@
         </p:nvSpPr>
         <p:spPr>
           <a:xfrm>
-            <a:off x="791736" y="1003610"/>
+            <a:off x="1235383" y="895700"/>
             <a:ext cx="7582829" cy="830997"/>
           </a:xfrm>
           <a:prstGeom prst="rect">
@@ -5562,12 +8000,12 @@
           <a:lstStyle/>
           <a:p>
             <a:r>
-              <a:rPr lang="en-US" altLang="ko-KR" sz="2400" b="1" dirty="0" smtClean="0"/>
-              <a:t>3. </a:t>
-            </a:r>
-            <a:r>
               <a:rPr lang="ko-KR" altLang="en-US" sz="2400" b="1" dirty="0" smtClean="0"/>
-              <a:t>대리자의 사용법 </a:t>
+              <a:t> 대리자의 </a:t>
+            </a:r>
+            <a:r>
+              <a:rPr lang="ko-KR" altLang="en-US" sz="2400" b="1" dirty="0" smtClean="0"/>
+              <a:t>사용법 </a:t>
             </a:r>
             <a:r>
               <a:rPr lang="en-US" altLang="ko-KR" sz="2400" b="1" dirty="0" smtClean="0"/>
@@ -5691,6 +8129,126 @@
               <a:t>DelegateCallBackTest.sln</a:t>
             </a:r>
             <a:endParaRPr lang="ko-KR" altLang="en-US" dirty="0"/>
+          </a:p>
+        </p:txBody>
+      </p:sp>
+      <p:sp>
+        <p:nvSpPr>
+          <p:cNvPr id="6" name="Google Shape;107;p15"/>
+          <p:cNvSpPr/>
+          <p:nvPr/>
+        </p:nvSpPr>
+        <p:spPr>
+          <a:xfrm>
+            <a:off x="570856" y="779028"/>
+            <a:ext cx="640080" cy="640080"/>
+          </a:xfrm>
+          <a:prstGeom prst="roundRect">
+            <a:avLst>
+              <a:gd name="adj" fmla="val 29384"/>
+            </a:avLst>
+          </a:prstGeom>
+          <a:solidFill>
+            <a:schemeClr val="accent5">
+              <a:lumMod val="60000"/>
+              <a:lumOff val="40000"/>
+            </a:schemeClr>
+          </a:solidFill>
+          <a:ln>
+            <a:noFill/>
+          </a:ln>
+        </p:spPr>
+        <p:txBody>
+          <a:bodyPr spcFirstLastPara="1" wrap="square" lIns="0" tIns="45700" rIns="0" bIns="45700" anchor="ctr" anchorCtr="0">
+            <a:noAutofit/>
+          </a:bodyPr>
+          <a:lstStyle/>
+          <a:p>
+            <a:pPr marL="0" marR="0" lvl="0" indent="0" algn="ctr" rtl="0">
+              <a:spcBef>
+                <a:spcPts val="0"/>
+              </a:spcBef>
+              <a:spcAft>
+                <a:spcPts val="0"/>
+              </a:spcAft>
+              <a:buNone/>
+            </a:pPr>
+            <a:r>
+              <a:rPr lang="ko-KR" sz="2800" b="1" dirty="0">
+                <a:solidFill>
+                  <a:schemeClr val="lt1"/>
+                </a:solidFill>
+                <a:latin typeface="Arial"/>
+                <a:ea typeface="Arial"/>
+                <a:cs typeface="Arial"/>
+                <a:sym typeface="Arial"/>
+              </a:rPr>
+              <a:t>3</a:t>
+            </a:r>
+            <a:endParaRPr sz="2800" b="1" dirty="0">
+              <a:solidFill>
+                <a:schemeClr val="lt1"/>
+              </a:solidFill>
+              <a:latin typeface="Arial"/>
+              <a:ea typeface="Arial"/>
+              <a:cs typeface="Arial"/>
+              <a:sym typeface="Arial"/>
+            </a:endParaRPr>
+          </a:p>
+        </p:txBody>
+      </p:sp>
+      <p:sp>
+        <p:nvSpPr>
+          <p:cNvPr id="9" name="Google Shape;113;p16"/>
+          <p:cNvSpPr/>
+          <p:nvPr/>
+        </p:nvSpPr>
+        <p:spPr>
+          <a:xfrm>
+            <a:off x="136175" y="174812"/>
+            <a:ext cx="11806517" cy="6535270"/>
+          </a:xfrm>
+          <a:prstGeom prst="rect">
+            <a:avLst/>
+          </a:prstGeom>
+          <a:noFill/>
+          <a:ln w="12700" cap="flat" cmpd="sng">
+            <a:solidFill>
+              <a:schemeClr val="accent5">
+                <a:lumMod val="60000"/>
+                <a:lumOff val="40000"/>
+              </a:schemeClr>
+            </a:solidFill>
+            <a:prstDash val="solid"/>
+            <a:miter lim="8000"/>
+            <a:headEnd type="none" w="sm" len="sm"/>
+            <a:tailEnd type="none" w="sm" len="sm"/>
+          </a:ln>
+        </p:spPr>
+        <p:txBody>
+          <a:bodyPr spcFirstLastPara="1" wrap="square" lIns="91425" tIns="45700" rIns="91425" bIns="45700" anchor="ctr" anchorCtr="0">
+            <a:noAutofit/>
+          </a:bodyPr>
+          <a:lstStyle/>
+          <a:p>
+            <a:pPr marL="0" marR="0" lvl="0" indent="0" algn="ctr" rtl="0">
+              <a:spcBef>
+                <a:spcPts val="0"/>
+              </a:spcBef>
+              <a:spcAft>
+                <a:spcPts val="0"/>
+              </a:spcAft>
+              <a:buNone/>
+            </a:pPr>
+            <a:endParaRPr sz="1800">
+              <a:solidFill>
+                <a:schemeClr val="accent4"/>
+              </a:solidFill>
+              <a:latin typeface="Arial"/>
+              <a:ea typeface="Arial"/>
+              <a:cs typeface="Arial"/>
+              <a:sym typeface="Arial"/>
+            </a:endParaRPr>
           </a:p>
         </p:txBody>
       </p:sp>
@@ -5732,7 +8290,7 @@
         </p:nvSpPr>
         <p:spPr>
           <a:xfrm>
-            <a:off x="791736" y="1003610"/>
+            <a:off x="1281044" y="847972"/>
             <a:ext cx="7582829" cy="830997"/>
           </a:xfrm>
           <a:prstGeom prst="rect">
@@ -5747,10 +8305,6 @@
           <a:lstStyle/>
           <a:p>
             <a:r>
-              <a:rPr lang="en-US" altLang="ko-KR" sz="2400" b="1" dirty="0" smtClean="0"/>
-              <a:t>4. </a:t>
-            </a:r>
-            <a:r>
               <a:rPr lang="ko-KR" altLang="en-US" sz="2400" b="1" dirty="0" smtClean="0"/>
               <a:t>이벤트</a:t>
             </a:r>
@@ -5875,7 +8429,7 @@
         </p:nvSpPr>
         <p:spPr>
           <a:xfrm>
-            <a:off x="1668964" y="3092436"/>
+            <a:off x="1724720" y="3247098"/>
             <a:ext cx="8991602" cy="1754326"/>
           </a:xfrm>
           <a:prstGeom prst="rect">
@@ -6010,6 +8564,276 @@
               <a:t>.</a:t>
             </a:r>
             <a:endParaRPr lang="ko-KR" altLang="en-US" dirty="0"/>
+          </a:p>
+        </p:txBody>
+      </p:sp>
+      <p:sp>
+        <p:nvSpPr>
+          <p:cNvPr id="8" name="Google Shape;136;p17"/>
+          <p:cNvSpPr/>
+          <p:nvPr/>
+        </p:nvSpPr>
+        <p:spPr>
+          <a:xfrm>
+            <a:off x="1182027" y="1735592"/>
+            <a:ext cx="198032" cy="198031"/>
+          </a:xfrm>
+          <a:prstGeom prst="ellipse">
+            <a:avLst/>
+          </a:prstGeom>
+          <a:solidFill>
+            <a:schemeClr val="accent2">
+              <a:lumMod val="60000"/>
+              <a:lumOff val="40000"/>
+            </a:schemeClr>
+          </a:solidFill>
+          <a:ln>
+            <a:noFill/>
+          </a:ln>
+        </p:spPr>
+        <p:txBody>
+          <a:bodyPr spcFirstLastPara="1" wrap="square" lIns="91425" tIns="45700" rIns="91425" bIns="45700" anchor="ctr" anchorCtr="0">
+            <a:noAutofit/>
+          </a:bodyPr>
+          <a:lstStyle/>
+          <a:p>
+            <a:pPr marL="0" marR="0" lvl="0" indent="0" algn="ctr" rtl="0">
+              <a:spcBef>
+                <a:spcPts val="0"/>
+              </a:spcBef>
+              <a:spcAft>
+                <a:spcPts val="0"/>
+              </a:spcAft>
+              <a:buNone/>
+            </a:pPr>
+            <a:endParaRPr sz="1800">
+              <a:solidFill>
+                <a:schemeClr val="lt1"/>
+              </a:solidFill>
+              <a:latin typeface="Arial"/>
+              <a:ea typeface="Arial"/>
+              <a:cs typeface="Arial"/>
+              <a:sym typeface="Arial"/>
+            </a:endParaRPr>
+          </a:p>
+        </p:txBody>
+      </p:sp>
+      <p:sp>
+        <p:nvSpPr>
+          <p:cNvPr id="9" name="Google Shape;107;p15"/>
+          <p:cNvSpPr/>
+          <p:nvPr/>
+        </p:nvSpPr>
+        <p:spPr>
+          <a:xfrm>
+            <a:off x="541947" y="748277"/>
+            <a:ext cx="640080" cy="640080"/>
+          </a:xfrm>
+          <a:prstGeom prst="roundRect">
+            <a:avLst>
+              <a:gd name="adj" fmla="val 29384"/>
+            </a:avLst>
+          </a:prstGeom>
+          <a:solidFill>
+            <a:schemeClr val="accent2">
+              <a:lumMod val="60000"/>
+              <a:lumOff val="40000"/>
+            </a:schemeClr>
+          </a:solidFill>
+          <a:ln>
+            <a:noFill/>
+          </a:ln>
+        </p:spPr>
+        <p:txBody>
+          <a:bodyPr spcFirstLastPara="1" wrap="square" lIns="0" tIns="45700" rIns="0" bIns="45700" anchor="ctr" anchorCtr="0">
+            <a:noAutofit/>
+          </a:bodyPr>
+          <a:lstStyle/>
+          <a:p>
+            <a:pPr marL="0" marR="0" lvl="0" indent="0" algn="ctr" rtl="0">
+              <a:spcBef>
+                <a:spcPts val="0"/>
+              </a:spcBef>
+              <a:spcAft>
+                <a:spcPts val="0"/>
+              </a:spcAft>
+              <a:buNone/>
+            </a:pPr>
+            <a:r>
+              <a:rPr lang="en-US" altLang="ko-KR" sz="2800" b="1" dirty="0" smtClean="0">
+                <a:solidFill>
+                  <a:schemeClr val="lt1"/>
+                </a:solidFill>
+                <a:latin typeface="Arial"/>
+                <a:ea typeface="Arial"/>
+                <a:cs typeface="Arial"/>
+                <a:sym typeface="Arial"/>
+              </a:rPr>
+              <a:t>4</a:t>
+            </a:r>
+            <a:endParaRPr sz="2800" b="1" dirty="0">
+              <a:solidFill>
+                <a:schemeClr val="lt1"/>
+              </a:solidFill>
+              <a:latin typeface="Arial"/>
+              <a:ea typeface="Arial"/>
+              <a:cs typeface="Arial"/>
+              <a:sym typeface="Arial"/>
+            </a:endParaRPr>
+          </a:p>
+        </p:txBody>
+      </p:sp>
+      <p:sp>
+        <p:nvSpPr>
+          <p:cNvPr id="10" name="Google Shape;113;p16"/>
+          <p:cNvSpPr/>
+          <p:nvPr/>
+        </p:nvSpPr>
+        <p:spPr>
+          <a:xfrm>
+            <a:off x="136175" y="174812"/>
+            <a:ext cx="11806517" cy="6535270"/>
+          </a:xfrm>
+          <a:prstGeom prst="rect">
+            <a:avLst/>
+          </a:prstGeom>
+          <a:noFill/>
+          <a:ln w="12700" cap="flat" cmpd="sng">
+            <a:solidFill>
+              <a:schemeClr val="accent2"/>
+            </a:solidFill>
+            <a:prstDash val="solid"/>
+            <a:miter lim="8000"/>
+            <a:headEnd type="none" w="sm" len="sm"/>
+            <a:tailEnd type="none" w="sm" len="sm"/>
+          </a:ln>
+        </p:spPr>
+        <p:txBody>
+          <a:bodyPr spcFirstLastPara="1" wrap="square" lIns="91425" tIns="45700" rIns="91425" bIns="45700" anchor="ctr" anchorCtr="0">
+            <a:noAutofit/>
+          </a:bodyPr>
+          <a:lstStyle/>
+          <a:p>
+            <a:pPr marL="0" marR="0" lvl="0" indent="0" algn="ctr" rtl="0">
+              <a:spcBef>
+                <a:spcPts val="0"/>
+              </a:spcBef>
+              <a:spcAft>
+                <a:spcPts val="0"/>
+              </a:spcAft>
+              <a:buNone/>
+            </a:pPr>
+            <a:endParaRPr sz="1800">
+              <a:solidFill>
+                <a:schemeClr val="accent4"/>
+              </a:solidFill>
+              <a:latin typeface="Arial"/>
+              <a:ea typeface="Arial"/>
+              <a:cs typeface="Arial"/>
+              <a:sym typeface="Arial"/>
+            </a:endParaRPr>
+          </a:p>
+        </p:txBody>
+      </p:sp>
+      <p:sp>
+        <p:nvSpPr>
+          <p:cNvPr id="11" name="Google Shape;136;p17"/>
+          <p:cNvSpPr/>
+          <p:nvPr/>
+        </p:nvSpPr>
+        <p:spPr>
+          <a:xfrm>
+            <a:off x="1182027" y="2221752"/>
+            <a:ext cx="198032" cy="198031"/>
+          </a:xfrm>
+          <a:prstGeom prst="ellipse">
+            <a:avLst/>
+          </a:prstGeom>
+          <a:solidFill>
+            <a:schemeClr val="accent2">
+              <a:lumMod val="60000"/>
+              <a:lumOff val="40000"/>
+            </a:schemeClr>
+          </a:solidFill>
+          <a:ln>
+            <a:noFill/>
+          </a:ln>
+        </p:spPr>
+        <p:txBody>
+          <a:bodyPr spcFirstLastPara="1" wrap="square" lIns="91425" tIns="45700" rIns="91425" bIns="45700" anchor="ctr" anchorCtr="0">
+            <a:noAutofit/>
+          </a:bodyPr>
+          <a:lstStyle/>
+          <a:p>
+            <a:pPr marL="0" marR="0" lvl="0" indent="0" algn="ctr" rtl="0">
+              <a:spcBef>
+                <a:spcPts val="0"/>
+              </a:spcBef>
+              <a:spcAft>
+                <a:spcPts val="0"/>
+              </a:spcAft>
+              <a:buNone/>
+            </a:pPr>
+            <a:endParaRPr sz="1800">
+              <a:solidFill>
+                <a:schemeClr val="lt1"/>
+              </a:solidFill>
+              <a:latin typeface="Arial"/>
+              <a:ea typeface="Arial"/>
+              <a:cs typeface="Arial"/>
+              <a:sym typeface="Arial"/>
+            </a:endParaRPr>
+          </a:p>
+        </p:txBody>
+      </p:sp>
+      <p:sp>
+        <p:nvSpPr>
+          <p:cNvPr id="12" name="Google Shape;136;p17"/>
+          <p:cNvSpPr/>
+          <p:nvPr/>
+        </p:nvSpPr>
+        <p:spPr>
+          <a:xfrm>
+            <a:off x="1182027" y="2665455"/>
+            <a:ext cx="198032" cy="198031"/>
+          </a:xfrm>
+          <a:prstGeom prst="ellipse">
+            <a:avLst/>
+          </a:prstGeom>
+          <a:solidFill>
+            <a:schemeClr val="accent2">
+              <a:lumMod val="60000"/>
+              <a:lumOff val="40000"/>
+            </a:schemeClr>
+          </a:solidFill>
+          <a:ln>
+            <a:noFill/>
+          </a:ln>
+        </p:spPr>
+        <p:txBody>
+          <a:bodyPr spcFirstLastPara="1" wrap="square" lIns="91425" tIns="45700" rIns="91425" bIns="45700" anchor="ctr" anchorCtr="0">
+            <a:noAutofit/>
+          </a:bodyPr>
+          <a:lstStyle/>
+          <a:p>
+            <a:pPr marL="0" marR="0" lvl="0" indent="0" algn="ctr" rtl="0">
+              <a:spcBef>
+                <a:spcPts val="0"/>
+              </a:spcBef>
+              <a:spcAft>
+                <a:spcPts val="0"/>
+              </a:spcAft>
+              <a:buNone/>
+            </a:pPr>
+            <a:endParaRPr sz="1800">
+              <a:solidFill>
+                <a:schemeClr val="lt1"/>
+              </a:solidFill>
+              <a:latin typeface="Arial"/>
+              <a:ea typeface="Arial"/>
+              <a:cs typeface="Arial"/>
+              <a:sym typeface="Arial"/>
+            </a:endParaRPr>
           </a:p>
         </p:txBody>
       </p:sp>
@@ -6023,6 +8847,162 @@
   <p:clrMapOvr>
     <a:masterClrMapping/>
   </p:clrMapOvr>
+  <p:timing>
+    <p:tnLst>
+      <p:par>
+        <p:cTn id="1" dur="indefinite" restart="never" nodeType="tmRoot">
+          <p:childTnLst>
+            <p:seq concurrent="1" nextAc="seek">
+              <p:cTn id="2" dur="indefinite" nodeType="mainSeq">
+                <p:childTnLst>
+                  <p:par>
+                    <p:cTn id="3" fill="hold">
+                      <p:stCondLst>
+                        <p:cond delay="indefinite"/>
+                        <p:cond evt="onBegin" delay="0">
+                          <p:tn val="2"/>
+                        </p:cond>
+                      </p:stCondLst>
+                      <p:childTnLst>
+                        <p:par>
+                          <p:cTn id="4" fill="hold">
+                            <p:stCondLst>
+                              <p:cond delay="0"/>
+                            </p:stCondLst>
+                            <p:childTnLst>
+                              <p:par>
+                                <p:cTn id="5" presetID="10" presetClass="entr" presetSubtype="0" fill="hold" nodeType="withEffect">
+                                  <p:stCondLst>
+                                    <p:cond delay="0"/>
+                                  </p:stCondLst>
+                                  <p:childTnLst>
+                                    <p:set>
+                                      <p:cBhvr>
+                                        <p:cTn id="6" dur="1" fill="hold">
+                                          <p:stCondLst>
+                                            <p:cond delay="0"/>
+                                          </p:stCondLst>
+                                        </p:cTn>
+                                        <p:tgtEl>
+                                          <p:spTgt spid="8"/>
+                                        </p:tgtEl>
+                                        <p:attrNameLst>
+                                          <p:attrName>style.visibility</p:attrName>
+                                        </p:attrNameLst>
+                                      </p:cBhvr>
+                                      <p:to>
+                                        <p:strVal val="visible"/>
+                                      </p:to>
+                                    </p:set>
+                                    <p:animEffect transition="in" filter="fade">
+                                      <p:cBhvr>
+                                        <p:cTn id="7" dur="1000"/>
+                                        <p:tgtEl>
+                                          <p:spTgt spid="8"/>
+                                        </p:tgtEl>
+                                      </p:cBhvr>
+                                    </p:animEffect>
+                                  </p:childTnLst>
+                                </p:cTn>
+                              </p:par>
+                              <p:par>
+                                <p:cTn id="8" presetID="10" presetClass="entr" presetSubtype="0" fill="hold" nodeType="withEffect">
+                                  <p:stCondLst>
+                                    <p:cond delay="0"/>
+                                  </p:stCondLst>
+                                  <p:childTnLst>
+                                    <p:set>
+                                      <p:cBhvr>
+                                        <p:cTn id="9" dur="1" fill="hold">
+                                          <p:stCondLst>
+                                            <p:cond delay="0"/>
+                                          </p:stCondLst>
+                                        </p:cTn>
+                                        <p:tgtEl>
+                                          <p:spTgt spid="11"/>
+                                        </p:tgtEl>
+                                        <p:attrNameLst>
+                                          <p:attrName>style.visibility</p:attrName>
+                                        </p:attrNameLst>
+                                      </p:cBhvr>
+                                      <p:to>
+                                        <p:strVal val="visible"/>
+                                      </p:to>
+                                    </p:set>
+                                    <p:animEffect transition="in" filter="fade">
+                                      <p:cBhvr>
+                                        <p:cTn id="10" dur="1000"/>
+                                        <p:tgtEl>
+                                          <p:spTgt spid="11"/>
+                                        </p:tgtEl>
+                                      </p:cBhvr>
+                                    </p:animEffect>
+                                  </p:childTnLst>
+                                </p:cTn>
+                              </p:par>
+                              <p:par>
+                                <p:cTn id="11" presetID="10" presetClass="entr" presetSubtype="0" fill="hold" nodeType="withEffect">
+                                  <p:stCondLst>
+                                    <p:cond delay="0"/>
+                                  </p:stCondLst>
+                                  <p:childTnLst>
+                                    <p:set>
+                                      <p:cBhvr>
+                                        <p:cTn id="12" dur="1" fill="hold">
+                                          <p:stCondLst>
+                                            <p:cond delay="0"/>
+                                          </p:stCondLst>
+                                        </p:cTn>
+                                        <p:tgtEl>
+                                          <p:spTgt spid="12"/>
+                                        </p:tgtEl>
+                                        <p:attrNameLst>
+                                          <p:attrName>style.visibility</p:attrName>
+                                        </p:attrNameLst>
+                                      </p:cBhvr>
+                                      <p:to>
+                                        <p:strVal val="visible"/>
+                                      </p:to>
+                                    </p:set>
+                                    <p:animEffect transition="in" filter="fade">
+                                      <p:cBhvr>
+                                        <p:cTn id="13" dur="1000"/>
+                                        <p:tgtEl>
+                                          <p:spTgt spid="12"/>
+                                        </p:tgtEl>
+                                      </p:cBhvr>
+                                    </p:animEffect>
+                                  </p:childTnLst>
+                                </p:cTn>
+                              </p:par>
+                            </p:childTnLst>
+                          </p:cTn>
+                        </p:par>
+                      </p:childTnLst>
+                    </p:cTn>
+                  </p:par>
+                </p:childTnLst>
+              </p:cTn>
+              <p:prevCondLst>
+                <p:cond evt="onPrev" delay="0">
+                  <p:tgtEl>
+                    <p:sldTgt/>
+                  </p:tgtEl>
+                </p:cond>
+              </p:prevCondLst>
+              <p:nextCondLst>
+                <p:cond evt="onNext" delay="0">
+                  <p:tgtEl>
+                    <p:sldTgt/>
+                  </p:tgtEl>
+                </p:cond>
+              </p:nextCondLst>
+            </p:seq>
+          </p:childTnLst>
+        </p:cTn>
+      </p:par>
+    </p:tnLst>
+  </p:timing>
 </p:sld>
 </file>
 
